--- a/examples/figures/wind_forecasting_figs.pptx
+++ b/examples/figures/wind_forecasting_figs.pptx
@@ -3323,10 +3323,10 @@
       </p:grpSpPr>
       <p:grpSp>
         <p:nvGrpSpPr>
-          <p:cNvPr id="4" name="Group 3">
-            <a:extLst>
-              <a:ext uri="{FF2B5EF4-FFF2-40B4-BE49-F238E27FC236}">
-                <a16:creationId xmlns:a16="http://schemas.microsoft.com/office/drawing/2014/main" id="{8D28E1A0-2D24-E7D2-FBEE-6824B82B6C3B}"/>
+          <p:cNvPr id="43" name="Group 42">
+            <a:extLst>
+              <a:ext uri="{FF2B5EF4-FFF2-40B4-BE49-F238E27FC236}">
+                <a16:creationId xmlns:a16="http://schemas.microsoft.com/office/drawing/2014/main" id="{EA81C713-7E40-562C-5DF7-63BB84D469F8}"/>
               </a:ext>
             </a:extLst>
           </p:cNvPr>
@@ -3337,52 +3337,16 @@
           <a:xfrm>
             <a:off x="2501066" y="221323"/>
             <a:ext cx="8152032" cy="6217867"/>
-            <a:chOff x="2011004" y="411291"/>
-            <a:chExt cx="4882971" cy="3724429"/>
+            <a:chOff x="2501066" y="221323"/>
+            <a:chExt cx="8152032" cy="6217867"/>
           </a:xfrm>
         </p:grpSpPr>
-        <p:pic>
-          <p:nvPicPr>
-            <p:cNvPr id="5" name="Graphic 4" descr="Windy with solid fill">
+        <p:grpSp>
+          <p:nvGrpSpPr>
+            <p:cNvPr id="4" name="Group 3">
               <a:extLst>
                 <a:ext uri="{FF2B5EF4-FFF2-40B4-BE49-F238E27FC236}">
-                  <a16:creationId xmlns:a16="http://schemas.microsoft.com/office/drawing/2014/main" id="{36234F09-DF7F-9830-C166-A92BEE79C57D}"/>
-                </a:ext>
-              </a:extLst>
-            </p:cNvPr>
-            <p:cNvPicPr>
-              <a:picLocks noChangeAspect="1"/>
-            </p:cNvPicPr>
-            <p:nvPr/>
-          </p:nvPicPr>
-          <p:blipFill>
-            <a:blip r:embed="rId2">
-              <a:extLst>
-                <a:ext uri="{96DAC541-7B7A-43D3-8B79-37D633B846F1}">
-                  <asvg:svgBlip xmlns:asvg="http://schemas.microsoft.com/office/drawing/2016/SVG/main" r:embed="rId3"/>
-                </a:ext>
-              </a:extLst>
-            </a:blip>
-            <a:stretch>
-              <a:fillRect/>
-            </a:stretch>
-          </p:blipFill>
-          <p:spPr>
-            <a:xfrm rot="1659106">
-              <a:off x="2011004" y="949841"/>
-              <a:ext cx="1219472" cy="1219472"/>
-            </a:xfrm>
-            <a:prstGeom prst="rect">
-              <a:avLst/>
-            </a:prstGeom>
-          </p:spPr>
-        </p:pic>
-        <p:grpSp>
-          <p:nvGrpSpPr>
-            <p:cNvPr id="6" name="Group 5">
-              <a:extLst>
-                <a:ext uri="{FF2B5EF4-FFF2-40B4-BE49-F238E27FC236}">
-                  <a16:creationId xmlns:a16="http://schemas.microsoft.com/office/drawing/2014/main" id="{B2D289E1-1E3E-51D7-28C1-6D41CD2EB187}"/>
+                  <a16:creationId xmlns:a16="http://schemas.microsoft.com/office/drawing/2014/main" id="{8D28E1A0-2D24-E7D2-FBEE-6824B82B6C3B}"/>
                 </a:ext>
               </a:extLst>
             </p:cNvPr>
@@ -3390,19 +3354,604 @@
             <p:nvPr/>
           </p:nvGrpSpPr>
           <p:grpSpPr>
-            <a:xfrm rot="19800000">
-              <a:off x="4397514" y="658002"/>
-              <a:ext cx="1280242" cy="3477718"/>
-              <a:chOff x="4397514" y="658002"/>
-              <a:chExt cx="1280242" cy="3477718"/>
+            <a:xfrm>
+              <a:off x="2501066" y="221323"/>
+              <a:ext cx="8152032" cy="6217867"/>
+              <a:chOff x="2011004" y="411291"/>
+              <a:chExt cx="4882971" cy="3724429"/>
             </a:xfrm>
           </p:grpSpPr>
+          <p:pic>
+            <p:nvPicPr>
+              <p:cNvPr id="5" name="Graphic 4" descr="Windy with solid fill">
+                <a:extLst>
+                  <a:ext uri="{FF2B5EF4-FFF2-40B4-BE49-F238E27FC236}">
+                    <a16:creationId xmlns:a16="http://schemas.microsoft.com/office/drawing/2014/main" id="{36234F09-DF7F-9830-C166-A92BEE79C57D}"/>
+                  </a:ext>
+                </a:extLst>
+              </p:cNvPr>
+              <p:cNvPicPr>
+                <a:picLocks noChangeAspect="1"/>
+              </p:cNvPicPr>
+              <p:nvPr/>
+            </p:nvPicPr>
+            <p:blipFill>
+              <a:blip r:embed="rId2">
+                <a:extLst>
+                  <a:ext uri="{96DAC541-7B7A-43D3-8B79-37D633B846F1}">
+                    <asvg:svgBlip xmlns:asvg="http://schemas.microsoft.com/office/drawing/2016/SVG/main" r:embed="rId3"/>
+                  </a:ext>
+                </a:extLst>
+              </a:blip>
+              <a:stretch>
+                <a:fillRect/>
+              </a:stretch>
+            </p:blipFill>
+            <p:spPr>
+              <a:xfrm rot="1659106">
+                <a:off x="2011004" y="949841"/>
+                <a:ext cx="1219472" cy="1219472"/>
+              </a:xfrm>
+              <a:prstGeom prst="rect">
+                <a:avLst/>
+              </a:prstGeom>
+            </p:spPr>
+          </p:pic>
+          <p:grpSp>
+            <p:nvGrpSpPr>
+              <p:cNvPr id="6" name="Group 5">
+                <a:extLst>
+                  <a:ext uri="{FF2B5EF4-FFF2-40B4-BE49-F238E27FC236}">
+                    <a16:creationId xmlns:a16="http://schemas.microsoft.com/office/drawing/2014/main" id="{B2D289E1-1E3E-51D7-28C1-6D41CD2EB187}"/>
+                  </a:ext>
+                </a:extLst>
+              </p:cNvPr>
+              <p:cNvGrpSpPr/>
+              <p:nvPr/>
+            </p:nvGrpSpPr>
+            <p:grpSpPr>
+              <a:xfrm rot="19800000">
+                <a:off x="4397514" y="658002"/>
+                <a:ext cx="1280242" cy="3477718"/>
+                <a:chOff x="4397514" y="658002"/>
+                <a:chExt cx="1280242" cy="3477718"/>
+              </a:xfrm>
+            </p:grpSpPr>
+            <p:sp>
+              <p:nvSpPr>
+                <p:cNvPr id="19" name="Rounded Rectangle 18">
+                  <a:extLst>
+                    <a:ext uri="{FF2B5EF4-FFF2-40B4-BE49-F238E27FC236}">
+                      <a16:creationId xmlns:a16="http://schemas.microsoft.com/office/drawing/2014/main" id="{D23D2856-02FE-1B9A-3454-7A79385CAAA4}"/>
+                    </a:ext>
+                  </a:extLst>
+                </p:cNvPr>
+                <p:cNvSpPr/>
+                <p:nvPr/>
+              </p:nvSpPr>
+              <p:spPr>
+                <a:xfrm>
+                  <a:off x="4547416" y="2221808"/>
+                  <a:ext cx="1130340" cy="350105"/>
+                </a:xfrm>
+                <a:prstGeom prst="roundRect">
+                  <a:avLst/>
+                </a:prstGeom>
+              </p:spPr>
+              <p:style>
+                <a:lnRef idx="2">
+                  <a:schemeClr val="dk1">
+                    <a:shade val="15000"/>
+                  </a:schemeClr>
+                </a:lnRef>
+                <a:fillRef idx="1">
+                  <a:schemeClr val="dk1"/>
+                </a:fillRef>
+                <a:effectRef idx="0">
+                  <a:schemeClr val="dk1"/>
+                </a:effectRef>
+                <a:fontRef idx="minor">
+                  <a:schemeClr val="lt1"/>
+                </a:fontRef>
+              </p:style>
+              <p:txBody>
+                <a:bodyPr rtlCol="0" anchor="ctr"/>
+                <a:lstStyle/>
+                <a:p>
+                  <a:pPr algn="ctr"/>
+                  <a:endParaRPr lang="en-US" dirty="0"/>
+                </a:p>
+              </p:txBody>
+            </p:sp>
+            <p:sp>
+              <p:nvSpPr>
+                <p:cNvPr id="20" name="Triangle 19">
+                  <a:extLst>
+                    <a:ext uri="{FF2B5EF4-FFF2-40B4-BE49-F238E27FC236}">
+                      <a16:creationId xmlns:a16="http://schemas.microsoft.com/office/drawing/2014/main" id="{33722CED-9658-E894-6958-6C4974CD8920}"/>
+                    </a:ext>
+                  </a:extLst>
+                </p:cNvPr>
+                <p:cNvSpPr/>
+                <p:nvPr/>
+              </p:nvSpPr>
+              <p:spPr>
+                <a:xfrm rot="10800000">
+                  <a:off x="4397514" y="2396861"/>
+                  <a:ext cx="149902" cy="1738859"/>
+                </a:xfrm>
+                <a:prstGeom prst="triangle">
+                  <a:avLst>
+                    <a:gd name="adj" fmla="val 52273"/>
+                  </a:avLst>
+                </a:prstGeom>
+              </p:spPr>
+              <p:style>
+                <a:lnRef idx="2">
+                  <a:schemeClr val="dk1">
+                    <a:shade val="15000"/>
+                  </a:schemeClr>
+                </a:lnRef>
+                <a:fillRef idx="1">
+                  <a:schemeClr val="dk1"/>
+                </a:fillRef>
+                <a:effectRef idx="0">
+                  <a:schemeClr val="dk1"/>
+                </a:effectRef>
+                <a:fontRef idx="minor">
+                  <a:schemeClr val="lt1"/>
+                </a:fontRef>
+              </p:style>
+              <p:txBody>
+                <a:bodyPr rtlCol="0" anchor="ctr"/>
+                <a:lstStyle/>
+                <a:p>
+                  <a:pPr algn="ctr"/>
+                  <a:endParaRPr lang="en-US"/>
+                </a:p>
+              </p:txBody>
+            </p:sp>
+            <p:sp>
+              <p:nvSpPr>
+                <p:cNvPr id="21" name="Triangle 20">
+                  <a:extLst>
+                    <a:ext uri="{FF2B5EF4-FFF2-40B4-BE49-F238E27FC236}">
+                      <a16:creationId xmlns:a16="http://schemas.microsoft.com/office/drawing/2014/main" id="{B72FA06E-EE40-BD86-509E-0AF32413C09F}"/>
+                    </a:ext>
+                  </a:extLst>
+                </p:cNvPr>
+                <p:cNvSpPr/>
+                <p:nvPr/>
+              </p:nvSpPr>
+              <p:spPr>
+                <a:xfrm>
+                  <a:off x="4397514" y="658002"/>
+                  <a:ext cx="149902" cy="1738859"/>
+                </a:xfrm>
+                <a:prstGeom prst="triangle">
+                  <a:avLst>
+                    <a:gd name="adj" fmla="val 52273"/>
+                  </a:avLst>
+                </a:prstGeom>
+              </p:spPr>
+              <p:style>
+                <a:lnRef idx="2">
+                  <a:schemeClr val="dk1">
+                    <a:shade val="15000"/>
+                  </a:schemeClr>
+                </a:lnRef>
+                <a:fillRef idx="1">
+                  <a:schemeClr val="dk1"/>
+                </a:fillRef>
+                <a:effectRef idx="0">
+                  <a:schemeClr val="dk1"/>
+                </a:effectRef>
+                <a:fontRef idx="minor">
+                  <a:schemeClr val="lt1"/>
+                </a:fontRef>
+              </p:style>
+              <p:txBody>
+                <a:bodyPr rtlCol="0" anchor="ctr"/>
+                <a:lstStyle/>
+                <a:p>
+                  <a:pPr algn="ctr"/>
+                  <a:endParaRPr lang="en-US" dirty="0"/>
+                </a:p>
+              </p:txBody>
+            </p:sp>
+          </p:grpSp>
+          <p:cxnSp>
+            <p:nvCxnSpPr>
+              <p:cNvPr id="7" name="Straight Connector 6">
+                <a:extLst>
+                  <a:ext uri="{FF2B5EF4-FFF2-40B4-BE49-F238E27FC236}">
+                    <a16:creationId xmlns:a16="http://schemas.microsoft.com/office/drawing/2014/main" id="{BC4CB615-9A56-33BD-500A-7183AEAD8FB1}"/>
+                  </a:ext>
+                </a:extLst>
+              </p:cNvPr>
+              <p:cNvCxnSpPr>
+                <a:cxnSpLocks/>
+              </p:cNvCxnSpPr>
+              <p:nvPr/>
+            </p:nvCxnSpPr>
+            <p:spPr>
+              <a:xfrm>
+                <a:off x="4613094" y="542260"/>
+                <a:ext cx="0" cy="2099710"/>
+              </a:xfrm>
+              <a:prstGeom prst="line">
+                <a:avLst/>
+              </a:prstGeom>
+              <a:ln w="38100">
+                <a:solidFill>
+                  <a:schemeClr val="bg1">
+                    <a:lumMod val="50000"/>
+                  </a:schemeClr>
+                </a:solidFill>
+                <a:prstDash val="dash"/>
+                <a:headEnd type="triangle"/>
+                <a:tailEnd type="none"/>
+              </a:ln>
+            </p:spPr>
+            <p:style>
+              <a:lnRef idx="1">
+                <a:schemeClr val="dk1"/>
+              </a:lnRef>
+              <a:fillRef idx="0">
+                <a:schemeClr val="dk1"/>
+              </a:fillRef>
+              <a:effectRef idx="0">
+                <a:schemeClr val="dk1"/>
+              </a:effectRef>
+              <a:fontRef idx="minor">
+                <a:schemeClr val="tx1"/>
+              </a:fontRef>
+            </p:style>
+          </p:cxnSp>
+          <p:cxnSp>
+            <p:nvCxnSpPr>
+              <p:cNvPr id="8" name="Straight Connector 7">
+                <a:extLst>
+                  <a:ext uri="{FF2B5EF4-FFF2-40B4-BE49-F238E27FC236}">
+                    <a16:creationId xmlns:a16="http://schemas.microsoft.com/office/drawing/2014/main" id="{4D091626-FA1F-84F3-B424-660190C7F80A}"/>
+                  </a:ext>
+                </a:extLst>
+              </p:cNvPr>
+              <p:cNvCxnSpPr>
+                <a:cxnSpLocks/>
+              </p:cNvCxnSpPr>
+              <p:nvPr/>
+            </p:nvCxnSpPr>
+            <p:spPr>
+              <a:xfrm rot="5400000">
+                <a:off x="5679522" y="1592115"/>
+                <a:ext cx="0" cy="2099710"/>
+              </a:xfrm>
+              <a:prstGeom prst="line">
+                <a:avLst/>
+              </a:prstGeom>
+              <a:ln w="38100">
+                <a:solidFill>
+                  <a:schemeClr val="bg1">
+                    <a:lumMod val="50000"/>
+                  </a:schemeClr>
+                </a:solidFill>
+                <a:prstDash val="dash"/>
+                <a:headEnd type="triangle"/>
+                <a:tailEnd type="none"/>
+              </a:ln>
+            </p:spPr>
+            <p:style>
+              <a:lnRef idx="1">
+                <a:schemeClr val="dk1"/>
+              </a:lnRef>
+              <a:fillRef idx="0">
+                <a:schemeClr val="dk1"/>
+              </a:fillRef>
+              <a:effectRef idx="0">
+                <a:schemeClr val="dk1"/>
+              </a:effectRef>
+              <a:fontRef idx="minor">
+                <a:schemeClr val="tx1"/>
+              </a:fontRef>
+            </p:style>
+          </p:cxnSp>
+          <mc:AlternateContent xmlns:mc="http://schemas.openxmlformats.org/markup-compatibility/2006" xmlns:a14="http://schemas.microsoft.com/office/drawing/2010/main">
+            <mc:Choice Requires="a14">
+              <p:sp>
+                <p:nvSpPr>
+                  <p:cNvPr id="9" name="TextBox 8">
+                    <a:extLst>
+                      <a:ext uri="{FF2B5EF4-FFF2-40B4-BE49-F238E27FC236}">
+                        <a16:creationId xmlns:a16="http://schemas.microsoft.com/office/drawing/2014/main" id="{82A599F0-BCFD-CD5D-CCA9-5CA656F931EA}"/>
+                      </a:ext>
+                    </a:extLst>
+                  </p:cNvPr>
+                  <p:cNvSpPr txBox="1"/>
+                  <p:nvPr/>
+                </p:nvSpPr>
+                <p:spPr>
+                  <a:xfrm>
+                    <a:off x="6394245" y="2641970"/>
+                    <a:ext cx="499730" cy="369332"/>
+                  </a:xfrm>
+                  <a:prstGeom prst="rect">
+                    <a:avLst/>
+                  </a:prstGeom>
+                  <a:noFill/>
+                </p:spPr>
+                <p:txBody>
+                  <a:bodyPr wrap="square" rtlCol="0">
+                    <a:spAutoFit/>
+                  </a:bodyPr>
+                  <a:lstStyle/>
+                  <a:p>
+                    <a:pPr/>
+                    <a14:m>
+                      <m:oMathPara xmlns:m="http://schemas.openxmlformats.org/officeDocument/2006/math">
+                        <m:oMathParaPr>
+                          <m:jc m:val="centerGroup"/>
+                        </m:oMathParaPr>
+                        <m:oMath xmlns:m="http://schemas.openxmlformats.org/officeDocument/2006/math">
+                          <m:r>
+                            <a:rPr lang="en-US" i="1" dirty="0" smtClean="0">
+                              <a:solidFill>
+                                <a:srgbClr val="7F7F7F"/>
+                              </a:solidFill>
+                              <a:latin typeface="Cambria Math" panose="02040503050406030204" pitchFamily="18" charset="0"/>
+                            </a:rPr>
+                            <m:t>𝑥</m:t>
+                          </m:r>
+                        </m:oMath>
+                      </m:oMathPara>
+                    </a14:m>
+                    <a:endParaRPr lang="en-US" dirty="0"/>
+                  </a:p>
+                </p:txBody>
+              </p:sp>
+            </mc:Choice>
+            <mc:Fallback xmlns="">
+              <p:sp>
+                <p:nvSpPr>
+                  <p:cNvPr id="17" name="TextBox 16">
+                    <a:extLst>
+                      <a:ext uri="{FF2B5EF4-FFF2-40B4-BE49-F238E27FC236}">
+                        <a16:creationId xmlns:a16="http://schemas.microsoft.com/office/drawing/2014/main" id="{2E9952B8-26D9-0B4E-A286-AAFE99B37FCC}"/>
+                      </a:ext>
+                    </a:extLst>
+                  </p:cNvPr>
+                  <p:cNvSpPr txBox="1">
+                    <a:spLocks noRot="1" noChangeAspect="1" noMove="1" noResize="1" noEditPoints="1" noAdjustHandles="1" noChangeArrowheads="1" noChangeShapeType="1" noTextEdit="1"/>
+                  </p:cNvSpPr>
+                  <p:nvPr/>
+                </p:nvSpPr>
+                <p:spPr>
+                  <a:xfrm>
+                    <a:off x="6394245" y="2641970"/>
+                    <a:ext cx="499730" cy="369332"/>
+                  </a:xfrm>
+                  <a:prstGeom prst="rect">
+                    <a:avLst/>
+                  </a:prstGeom>
+                  <a:blipFill>
+                    <a:blip r:embed="rId5"/>
+                    <a:stretch>
+                      <a:fillRect/>
+                    </a:stretch>
+                  </a:blipFill>
+                </p:spPr>
+                <p:txBody>
+                  <a:bodyPr/>
+                  <a:lstStyle/>
+                  <a:p>
+                    <a:r>
+                      <a:rPr lang="en-US">
+                        <a:noFill/>
+                      </a:rPr>
+                      <a:t> </a:t>
+                    </a:r>
+                  </a:p>
+                </p:txBody>
+              </p:sp>
+            </mc:Fallback>
+          </mc:AlternateContent>
+          <mc:AlternateContent xmlns:mc="http://schemas.openxmlformats.org/markup-compatibility/2006">
+            <mc:Choice xmlns:a14="http://schemas.microsoft.com/office/drawing/2010/main" Requires="a14">
+              <p:sp>
+                <p:nvSpPr>
+                  <p:cNvPr id="10" name="TextBox 9">
+                    <a:extLst>
+                      <a:ext uri="{FF2B5EF4-FFF2-40B4-BE49-F238E27FC236}">
+                        <a16:creationId xmlns:a16="http://schemas.microsoft.com/office/drawing/2014/main" id="{B4CD42B5-D326-DF4E-508F-60547B3EF61D}"/>
+                      </a:ext>
+                    </a:extLst>
+                  </p:cNvPr>
+                  <p:cNvSpPr txBox="1"/>
+                  <p:nvPr/>
+                </p:nvSpPr>
+                <p:spPr>
+                  <a:xfrm>
+                    <a:off x="4233408" y="411291"/>
+                    <a:ext cx="499730" cy="369332"/>
+                  </a:xfrm>
+                  <a:prstGeom prst="rect">
+                    <a:avLst/>
+                  </a:prstGeom>
+                  <a:noFill/>
+                </p:spPr>
+                <p:txBody>
+                  <a:bodyPr wrap="square" rtlCol="0">
+                    <a:spAutoFit/>
+                  </a:bodyPr>
+                  <a:lstStyle/>
+                  <a:p>
+                    <a:pPr/>
+                    <a14:m>
+                      <m:oMathPara xmlns:m="http://schemas.openxmlformats.org/officeDocument/2006/math">
+                        <m:oMathParaPr>
+                          <m:jc m:val="centerGroup"/>
+                        </m:oMathParaPr>
+                        <m:oMath xmlns:m="http://schemas.openxmlformats.org/officeDocument/2006/math">
+                          <m:r>
+                            <a:rPr lang="en-US" b="0" i="1" dirty="0" smtClean="0">
+                              <a:solidFill>
+                                <a:srgbClr val="7F7F7F"/>
+                              </a:solidFill>
+                              <a:latin typeface="Cambria Math" panose="02040503050406030204" pitchFamily="18" charset="0"/>
+                            </a:rPr>
+                            <m:t>𝑦</m:t>
+                          </m:r>
+                        </m:oMath>
+                      </m:oMathPara>
+                    </a14:m>
+                    <a:endParaRPr lang="en-US" dirty="0"/>
+                  </a:p>
+                </p:txBody>
+              </p:sp>
+            </mc:Choice>
+            <mc:Fallback>
+              <p:sp>
+                <p:nvSpPr>
+                  <p:cNvPr id="10" name="TextBox 9">
+                    <a:extLst>
+                      <a:ext uri="{FF2B5EF4-FFF2-40B4-BE49-F238E27FC236}">
+                        <a16:creationId xmlns:a16="http://schemas.microsoft.com/office/drawing/2014/main" id="{B4CD42B5-D326-DF4E-508F-60547B3EF61D}"/>
+                      </a:ext>
+                    </a:extLst>
+                  </p:cNvPr>
+                  <p:cNvSpPr txBox="1">
+                    <a:spLocks noRot="1" noChangeAspect="1" noMove="1" noResize="1" noEditPoints="1" noAdjustHandles="1" noChangeArrowheads="1" noChangeShapeType="1" noTextEdit="1"/>
+                  </p:cNvSpPr>
+                  <p:nvPr/>
+                </p:nvSpPr>
+                <p:spPr>
+                  <a:xfrm>
+                    <a:off x="4233408" y="411291"/>
+                    <a:ext cx="499730" cy="369332"/>
+                  </a:xfrm>
+                  <a:prstGeom prst="rect">
+                    <a:avLst/>
+                  </a:prstGeom>
+                  <a:blipFill>
+                    <a:blip r:embed="rId6"/>
+                    <a:stretch>
+                      <a:fillRect/>
+                    </a:stretch>
+                  </a:blipFill>
+                </p:spPr>
+                <p:txBody>
+                  <a:bodyPr/>
+                  <a:lstStyle/>
+                  <a:p>
+                    <a:r>
+                      <a:rPr lang="en-US">
+                        <a:noFill/>
+                      </a:rPr>
+                      <a:t> </a:t>
+                    </a:r>
+                  </a:p>
+                </p:txBody>
+              </p:sp>
+            </mc:Fallback>
+          </mc:AlternateContent>
+          <p:cxnSp>
+            <p:nvCxnSpPr>
+              <p:cNvPr id="11" name="Straight Connector 10">
+                <a:extLst>
+                  <a:ext uri="{FF2B5EF4-FFF2-40B4-BE49-F238E27FC236}">
+                    <a16:creationId xmlns:a16="http://schemas.microsoft.com/office/drawing/2014/main" id="{713BA33E-DDA1-9E99-A1DE-4A2927D4D34C}"/>
+                  </a:ext>
+                </a:extLst>
+              </p:cNvPr>
+              <p:cNvCxnSpPr>
+                <a:cxnSpLocks/>
+              </p:cNvCxnSpPr>
+              <p:nvPr/>
+            </p:nvCxnSpPr>
+            <p:spPr>
+              <a:xfrm flipH="1">
+                <a:off x="2897130" y="2716922"/>
+                <a:ext cx="1607289" cy="875414"/>
+              </a:xfrm>
+              <a:prstGeom prst="line">
+                <a:avLst/>
+              </a:prstGeom>
+              <a:ln w="38100">
+                <a:solidFill>
+                  <a:srgbClr val="C00000"/>
+                </a:solidFill>
+                <a:prstDash val="sysDash"/>
+                <a:headEnd type="none"/>
+                <a:tailEnd type="none"/>
+              </a:ln>
+            </p:spPr>
+            <p:style>
+              <a:lnRef idx="1">
+                <a:schemeClr val="dk1"/>
+              </a:lnRef>
+              <a:fillRef idx="0">
+                <a:schemeClr val="dk1"/>
+              </a:fillRef>
+              <a:effectRef idx="0">
+                <a:schemeClr val="dk1"/>
+              </a:effectRef>
+              <a:fontRef idx="minor">
+                <a:schemeClr val="tx1"/>
+              </a:fontRef>
+            </p:style>
+          </p:cxnSp>
+          <p:cxnSp>
+            <p:nvCxnSpPr>
+              <p:cNvPr id="12" name="Straight Arrow Connector 11">
+                <a:extLst>
+                  <a:ext uri="{FF2B5EF4-FFF2-40B4-BE49-F238E27FC236}">
+                    <a16:creationId xmlns:a16="http://schemas.microsoft.com/office/drawing/2014/main" id="{04AF62AD-8583-31EE-232E-E85DED8FC257}"/>
+                  </a:ext>
+                </a:extLst>
+              </p:cNvPr>
+              <p:cNvCxnSpPr>
+                <a:cxnSpLocks/>
+                <a:endCxn id="19" idx="1"/>
+              </p:cNvCxnSpPr>
+              <p:nvPr/>
+            </p:nvCxnSpPr>
+            <p:spPr>
+              <a:xfrm>
+                <a:off x="3123414" y="1871175"/>
+                <a:ext cx="1489679" cy="770796"/>
+              </a:xfrm>
+              <a:prstGeom prst="straightConnector1">
+                <a:avLst/>
+              </a:prstGeom>
+              <a:ln w="38100">
+                <a:solidFill>
+                  <a:srgbClr val="5B9BD5"/>
+                </a:solidFill>
+                <a:prstDash val="solid"/>
+                <a:tailEnd type="triangle"/>
+              </a:ln>
+            </p:spPr>
+            <p:style>
+              <a:lnRef idx="1">
+                <a:schemeClr val="accent1"/>
+              </a:lnRef>
+              <a:fillRef idx="0">
+                <a:schemeClr val="accent1"/>
+              </a:fillRef>
+              <a:effectRef idx="0">
+                <a:schemeClr val="accent1"/>
+              </a:effectRef>
+              <a:fontRef idx="minor">
+                <a:schemeClr val="tx1"/>
+              </a:fontRef>
+            </p:style>
+          </p:cxnSp>
           <p:sp>
             <p:nvSpPr>
-              <p:cNvPr id="19" name="Rounded Rectangle 18">
+              <p:cNvPr id="13" name="Arc 12">
                 <a:extLst>
                   <a:ext uri="{FF2B5EF4-FFF2-40B4-BE49-F238E27FC236}">
-                    <a16:creationId xmlns:a16="http://schemas.microsoft.com/office/drawing/2014/main" id="{D23D2856-02FE-1B9A-3454-7A79385CAAA4}"/>
+                    <a16:creationId xmlns:a16="http://schemas.microsoft.com/office/drawing/2014/main" id="{6E744F61-CC86-4FE3-E168-6498B6FCBB2A}"/>
                   </a:ext>
                 </a:extLst>
               </p:cNvPr>
@@ -3411,27 +3960,35 @@
             </p:nvSpPr>
             <p:spPr>
               <a:xfrm>
-                <a:off x="4547416" y="2221808"/>
-                <a:ext cx="1130340" cy="350105"/>
+                <a:off x="3927293" y="1997495"/>
+                <a:ext cx="1371600" cy="1371600"/>
               </a:xfrm>
-              <a:prstGeom prst="roundRect">
-                <a:avLst/>
+              <a:prstGeom prst="arc">
+                <a:avLst>
+                  <a:gd name="adj1" fmla="val 16298283"/>
+                  <a:gd name="adj2" fmla="val 9130534"/>
+                </a:avLst>
               </a:prstGeom>
+              <a:noFill/>
+              <a:ln w="38100">
+                <a:solidFill>
+                  <a:srgbClr val="C00000"/>
+                </a:solidFill>
+                <a:tailEnd type="triangle"/>
+              </a:ln>
             </p:spPr>
             <p:style>
-              <a:lnRef idx="2">
-                <a:schemeClr val="dk1">
-                  <a:shade val="15000"/>
-                </a:schemeClr>
+              <a:lnRef idx="1">
+                <a:schemeClr val="accent1"/>
               </a:lnRef>
-              <a:fillRef idx="1">
-                <a:schemeClr val="dk1"/>
+              <a:fillRef idx="0">
+                <a:schemeClr val="accent1"/>
               </a:fillRef>
               <a:effectRef idx="0">
-                <a:schemeClr val="dk1"/>
+                <a:schemeClr val="accent1"/>
               </a:effectRef>
               <a:fontRef idx="minor">
-                <a:schemeClr val="lt1"/>
+                <a:schemeClr val="tx1"/>
               </a:fontRef>
             </p:style>
             <p:txBody>
@@ -3445,58 +4002,10 @@
           </p:sp>
           <p:sp>
             <p:nvSpPr>
-              <p:cNvPr id="20" name="Triangle 19">
+              <p:cNvPr id="14" name="Arc 13">
                 <a:extLst>
                   <a:ext uri="{FF2B5EF4-FFF2-40B4-BE49-F238E27FC236}">
-                    <a16:creationId xmlns:a16="http://schemas.microsoft.com/office/drawing/2014/main" id="{33722CED-9658-E894-6958-6C4974CD8920}"/>
-                  </a:ext>
-                </a:extLst>
-              </p:cNvPr>
-              <p:cNvSpPr/>
-              <p:nvPr/>
-            </p:nvSpPr>
-            <p:spPr>
-              <a:xfrm rot="10800000">
-                <a:off x="4397514" y="2396861"/>
-                <a:ext cx="149902" cy="1738859"/>
-              </a:xfrm>
-              <a:prstGeom prst="triangle">
-                <a:avLst>
-                  <a:gd name="adj" fmla="val 52273"/>
-                </a:avLst>
-              </a:prstGeom>
-            </p:spPr>
-            <p:style>
-              <a:lnRef idx="2">
-                <a:schemeClr val="dk1">
-                  <a:shade val="15000"/>
-                </a:schemeClr>
-              </a:lnRef>
-              <a:fillRef idx="1">
-                <a:schemeClr val="dk1"/>
-              </a:fillRef>
-              <a:effectRef idx="0">
-                <a:schemeClr val="dk1"/>
-              </a:effectRef>
-              <a:fontRef idx="minor">
-                <a:schemeClr val="lt1"/>
-              </a:fontRef>
-            </p:style>
-            <p:txBody>
-              <a:bodyPr rtlCol="0" anchor="ctr"/>
-              <a:lstStyle/>
-              <a:p>
-                <a:pPr algn="ctr"/>
-                <a:endParaRPr lang="en-US"/>
-              </a:p>
-            </p:txBody>
-          </p:sp>
-          <p:sp>
-            <p:nvSpPr>
-              <p:cNvPr id="21" name="Triangle 20">
-                <a:extLst>
-                  <a:ext uri="{FF2B5EF4-FFF2-40B4-BE49-F238E27FC236}">
-                    <a16:creationId xmlns:a16="http://schemas.microsoft.com/office/drawing/2014/main" id="{B72FA06E-EE40-BD86-509E-0AF32413C09F}"/>
+                    <a16:creationId xmlns:a16="http://schemas.microsoft.com/office/drawing/2014/main" id="{58D08C88-16F7-73F2-71E7-305C5BF769C1}"/>
                   </a:ext>
                 </a:extLst>
               </p:cNvPr>
@@ -3505,29 +4014,35 @@
             </p:nvSpPr>
             <p:spPr>
               <a:xfrm>
-                <a:off x="4397514" y="658002"/>
-                <a:ext cx="149902" cy="1738859"/>
+                <a:off x="3769060" y="1816651"/>
+                <a:ext cx="1725590" cy="1725590"/>
               </a:xfrm>
-              <a:prstGeom prst="triangle">
+              <a:prstGeom prst="arc">
                 <a:avLst>
-                  <a:gd name="adj" fmla="val 52273"/>
+                  <a:gd name="adj1" fmla="val 16222490"/>
+                  <a:gd name="adj2" fmla="val 12547643"/>
                 </a:avLst>
               </a:prstGeom>
+              <a:noFill/>
+              <a:ln w="38100">
+                <a:solidFill>
+                  <a:srgbClr val="5B9BD5"/>
+                </a:solidFill>
+                <a:tailEnd type="triangle"/>
+              </a:ln>
             </p:spPr>
             <p:style>
-              <a:lnRef idx="2">
-                <a:schemeClr val="dk1">
-                  <a:shade val="15000"/>
-                </a:schemeClr>
+              <a:lnRef idx="1">
+                <a:schemeClr val="accent1"/>
               </a:lnRef>
-              <a:fillRef idx="1">
-                <a:schemeClr val="dk1"/>
+              <a:fillRef idx="0">
+                <a:schemeClr val="accent1"/>
               </a:fillRef>
               <a:effectRef idx="0">
-                <a:schemeClr val="dk1"/>
+                <a:schemeClr val="accent1"/>
               </a:effectRef>
               <a:fontRef idx="minor">
-                <a:schemeClr val="lt1"/>
+                <a:schemeClr val="tx1"/>
               </a:fontRef>
             </p:style>
             <p:txBody>
@@ -3539,13 +4054,243 @@
               </a:p>
             </p:txBody>
           </p:sp>
+          <mc:AlternateContent xmlns:mc="http://schemas.openxmlformats.org/markup-compatibility/2006">
+            <mc:Choice xmlns:a14="http://schemas.microsoft.com/office/drawing/2010/main" Requires="a14">
+              <p:sp>
+                <p:nvSpPr>
+                  <p:cNvPr id="15" name="TextBox 14">
+                    <a:extLst>
+                      <a:ext uri="{FF2B5EF4-FFF2-40B4-BE49-F238E27FC236}">
+                        <a16:creationId xmlns:a16="http://schemas.microsoft.com/office/drawing/2014/main" id="{5FC505E4-A594-5697-DEE4-55139404A60E}"/>
+                      </a:ext>
+                    </a:extLst>
+                  </p:cNvPr>
+                  <p:cNvSpPr txBox="1"/>
+                  <p:nvPr/>
+                </p:nvSpPr>
+                <p:spPr>
+                  <a:xfrm rot="1591325">
+                    <a:off x="3078711" y="1978601"/>
+                    <a:ext cx="1333876" cy="221226"/>
+                  </a:xfrm>
+                  <a:prstGeom prst="rect">
+                    <a:avLst/>
+                  </a:prstGeom>
+                  <a:noFill/>
+                </p:spPr>
+                <p:txBody>
+                  <a:bodyPr wrap="square" rtlCol="0">
+                    <a:spAutoFit/>
+                  </a:bodyPr>
+                  <a:lstStyle/>
+                  <a:p>
+                    <a:r>
+                      <a:rPr lang="en-US" b="0" dirty="0">
+                        <a:solidFill>
+                          <a:srgbClr val="5B9BD5"/>
+                        </a:solidFill>
+                        <a:latin typeface="Modern No. 20" panose="02070704070505020303" pitchFamily="18" charset="77"/>
+                      </a:rPr>
+                      <a:t>Wind Direction, </a:t>
+                    </a:r>
+                    <a14:m>
+                      <m:oMath xmlns:m="http://schemas.openxmlformats.org/officeDocument/2006/math">
+                        <m:r>
+                          <a:rPr lang="en-US" b="0" i="1" smtClean="0">
+                            <a:solidFill>
+                              <a:srgbClr val="5B9BD5"/>
+                            </a:solidFill>
+                            <a:latin typeface="Cambria Math" panose="02040503050406030204" pitchFamily="18" charset="0"/>
+                          </a:rPr>
+                          <m:t>∠</m:t>
+                        </m:r>
+                        <m:r>
+                          <a:rPr lang="en-US" b="0" i="1" smtClean="0">
+                            <a:solidFill>
+                              <a:srgbClr val="5B9BD5"/>
+                            </a:solidFill>
+                            <a:latin typeface="Cambria Math" panose="02040503050406030204" pitchFamily="18" charset="0"/>
+                          </a:rPr>
+                          <m:t>𝑤</m:t>
+                        </m:r>
+                      </m:oMath>
+                    </a14:m>
+                    <a:endParaRPr lang="en-US" dirty="0">
+                      <a:solidFill>
+                        <a:srgbClr val="5B9BD5"/>
+                      </a:solidFill>
+                    </a:endParaRPr>
+                  </a:p>
+                </p:txBody>
+              </p:sp>
+            </mc:Choice>
+            <mc:Fallback>
+              <p:sp>
+                <p:nvSpPr>
+                  <p:cNvPr id="15" name="TextBox 14">
+                    <a:extLst>
+                      <a:ext uri="{FF2B5EF4-FFF2-40B4-BE49-F238E27FC236}">
+                        <a16:creationId xmlns:a16="http://schemas.microsoft.com/office/drawing/2014/main" id="{5FC505E4-A594-5697-DEE4-55139404A60E}"/>
+                      </a:ext>
+                    </a:extLst>
+                  </p:cNvPr>
+                  <p:cNvSpPr txBox="1">
+                    <a:spLocks noRot="1" noChangeAspect="1" noMove="1" noResize="1" noEditPoints="1" noAdjustHandles="1" noChangeArrowheads="1" noChangeShapeType="1" noTextEdit="1"/>
+                  </p:cNvSpPr>
+                  <p:nvPr/>
+                </p:nvSpPr>
+                <p:spPr>
+                  <a:xfrm rot="1591325">
+                    <a:off x="3078711" y="1978601"/>
+                    <a:ext cx="1333876" cy="221226"/>
+                  </a:xfrm>
+                  <a:prstGeom prst="rect">
+                    <a:avLst/>
+                  </a:prstGeom>
+                  <a:blipFill>
+                    <a:blip r:embed="rId7"/>
+                    <a:stretch>
+                      <a:fillRect l="-3488" t="-2830"/>
+                    </a:stretch>
+                  </a:blipFill>
+                </p:spPr>
+                <p:txBody>
+                  <a:bodyPr/>
+                  <a:lstStyle/>
+                  <a:p>
+                    <a:r>
+                      <a:rPr lang="en-US">
+                        <a:noFill/>
+                      </a:rPr>
+                      <a:t> </a:t>
+                    </a:r>
+                  </a:p>
+                </p:txBody>
+              </p:sp>
+            </mc:Fallback>
+          </mc:AlternateContent>
+          <mc:AlternateContent xmlns:mc="http://schemas.openxmlformats.org/markup-compatibility/2006">
+            <mc:Choice xmlns:a14="http://schemas.microsoft.com/office/drawing/2010/main" Requires="a14">
+              <p:sp>
+                <p:nvSpPr>
+                  <p:cNvPr id="16" name="TextBox 15">
+                    <a:extLst>
+                      <a:ext uri="{FF2B5EF4-FFF2-40B4-BE49-F238E27FC236}">
+                        <a16:creationId xmlns:a16="http://schemas.microsoft.com/office/drawing/2014/main" id="{D6EDBBC0-1379-7563-0A7A-CA8B9C901C3E}"/>
+                      </a:ext>
+                    </a:extLst>
+                  </p:cNvPr>
+                  <p:cNvSpPr txBox="1"/>
+                  <p:nvPr/>
+                </p:nvSpPr>
+                <p:spPr>
+                  <a:xfrm rot="19918054">
+                    <a:off x="2588899" y="3114240"/>
+                    <a:ext cx="1429030" cy="221226"/>
+                  </a:xfrm>
+                  <a:prstGeom prst="rect">
+                    <a:avLst/>
+                  </a:prstGeom>
+                  <a:noFill/>
+                </p:spPr>
+                <p:txBody>
+                  <a:bodyPr wrap="square" rtlCol="0">
+                    <a:spAutoFit/>
+                  </a:bodyPr>
+                  <a:lstStyle/>
+                  <a:p>
+                    <a:r>
+                      <a:rPr lang="en-US" dirty="0">
+                        <a:solidFill>
+                          <a:srgbClr val="C00000"/>
+                        </a:solidFill>
+                        <a:latin typeface="Modern No. 20" panose="02070704070505020303" pitchFamily="18" charset="77"/>
+                      </a:rPr>
+                      <a:t>Nacelle Direction, </a:t>
+                    </a:r>
+                    <a14:m>
+                      <m:oMath xmlns:m="http://schemas.openxmlformats.org/officeDocument/2006/math">
+                        <m:r>
+                          <a:rPr lang="en-US" b="0" i="1" smtClean="0">
+                            <a:solidFill>
+                              <a:srgbClr val="C00000"/>
+                            </a:solidFill>
+                            <a:latin typeface="Cambria Math" panose="02040503050406030204" pitchFamily="18" charset="0"/>
+                          </a:rPr>
+                          <m:t>∠</m:t>
+                        </m:r>
+                        <m:r>
+                          <a:rPr lang="en-US" b="0" i="1" smtClean="0">
+                            <a:solidFill>
+                              <a:srgbClr val="C00000"/>
+                            </a:solidFill>
+                            <a:latin typeface="Cambria Math" panose="02040503050406030204" pitchFamily="18" charset="0"/>
+                          </a:rPr>
+                          <m:t>𝑛</m:t>
+                        </m:r>
+                      </m:oMath>
+                    </a14:m>
+                    <a:endParaRPr lang="en-US" dirty="0">
+                      <a:solidFill>
+                        <a:srgbClr val="C00000"/>
+                      </a:solidFill>
+                    </a:endParaRPr>
+                  </a:p>
+                </p:txBody>
+              </p:sp>
+            </mc:Choice>
+            <mc:Fallback>
+              <p:sp>
+                <p:nvSpPr>
+                  <p:cNvPr id="16" name="TextBox 15">
+                    <a:extLst>
+                      <a:ext uri="{FF2B5EF4-FFF2-40B4-BE49-F238E27FC236}">
+                        <a16:creationId xmlns:a16="http://schemas.microsoft.com/office/drawing/2014/main" id="{D6EDBBC0-1379-7563-0A7A-CA8B9C901C3E}"/>
+                      </a:ext>
+                    </a:extLst>
+                  </p:cNvPr>
+                  <p:cNvSpPr txBox="1">
+                    <a:spLocks noRot="1" noChangeAspect="1" noMove="1" noResize="1" noEditPoints="1" noAdjustHandles="1" noChangeArrowheads="1" noChangeShapeType="1" noTextEdit="1"/>
+                  </p:cNvSpPr>
+                  <p:nvPr/>
+                </p:nvSpPr>
+                <p:spPr>
+                  <a:xfrm rot="19918054">
+                    <a:off x="2588899" y="3114240"/>
+                    <a:ext cx="1429030" cy="221226"/>
+                  </a:xfrm>
+                  <a:prstGeom prst="rect">
+                    <a:avLst/>
+                  </a:prstGeom>
+                  <a:blipFill>
+                    <a:blip r:embed="rId8"/>
+                    <a:stretch>
+                      <a:fillRect l="-2210" b="-6957"/>
+                    </a:stretch>
+                  </a:blipFill>
+                </p:spPr>
+                <p:txBody>
+                  <a:bodyPr/>
+                  <a:lstStyle/>
+                  <a:p>
+                    <a:r>
+                      <a:rPr lang="en-US">
+                        <a:noFill/>
+                      </a:rPr>
+                      <a:t> </a:t>
+                    </a:r>
+                  </a:p>
+                </p:txBody>
+              </p:sp>
+            </mc:Fallback>
+          </mc:AlternateContent>
         </p:grpSp>
         <p:cxnSp>
           <p:nvCxnSpPr>
-            <p:cNvPr id="7" name="Straight Connector 6">
+            <p:cNvPr id="27" name="Straight Connector 26">
               <a:extLst>
                 <a:ext uri="{FF2B5EF4-FFF2-40B4-BE49-F238E27FC236}">
-                  <a16:creationId xmlns:a16="http://schemas.microsoft.com/office/drawing/2014/main" id="{BC4CB615-9A56-33BD-500A-7183AEAD8FB1}"/>
+                  <a16:creationId xmlns:a16="http://schemas.microsoft.com/office/drawing/2014/main" id="{07FAA774-4916-7D31-1E2A-459AD01629F1}"/>
                 </a:ext>
               </a:extLst>
             </p:cNvPr>
@@ -3555,20 +4300,18 @@
             <p:nvPr/>
           </p:nvCxnSpPr>
           <p:spPr>
-            <a:xfrm>
-              <a:off x="4613094" y="542260"/>
-              <a:ext cx="0" cy="2099710"/>
+            <a:xfrm flipH="1">
+              <a:off x="4358214" y="3945401"/>
+              <a:ext cx="2356394" cy="0"/>
             </a:xfrm>
             <a:prstGeom prst="line">
               <a:avLst/>
             </a:prstGeom>
             <a:ln w="38100">
               <a:solidFill>
-                <a:schemeClr val="bg1">
-                  <a:lumMod val="50000"/>
-                </a:schemeClr>
+                <a:srgbClr val="5B9BD5"/>
               </a:solidFill>
-              <a:prstDash val="dash"/>
+              <a:prstDash val="sysDot"/>
               <a:headEnd type="triangle"/>
               <a:tailEnd type="none"/>
             </a:ln>
@@ -3590,10 +4333,10 @@
         </p:cxnSp>
         <p:cxnSp>
           <p:nvCxnSpPr>
-            <p:cNvPr id="8" name="Straight Connector 7">
+            <p:cNvPr id="29" name="Straight Connector 28">
               <a:extLst>
                 <a:ext uri="{FF2B5EF4-FFF2-40B4-BE49-F238E27FC236}">
-                  <a16:creationId xmlns:a16="http://schemas.microsoft.com/office/drawing/2014/main" id="{4D091626-FA1F-84F3-B424-660190C7F80A}"/>
+                  <a16:creationId xmlns:a16="http://schemas.microsoft.com/office/drawing/2014/main" id="{664A7BF4-C424-3B3C-9882-CC83E71189AC}"/>
                 </a:ext>
               </a:extLst>
             </p:cNvPr>
@@ -3603,20 +4346,18 @@
             <p:nvPr/>
           </p:nvCxnSpPr>
           <p:spPr>
-            <a:xfrm rot="5400000">
-              <a:off x="5679522" y="1592115"/>
-              <a:ext cx="0" cy="2099710"/>
+            <a:xfrm flipV="1">
+              <a:off x="4358214" y="2658573"/>
+              <a:ext cx="0" cy="1286828"/>
             </a:xfrm>
             <a:prstGeom prst="line">
               <a:avLst/>
             </a:prstGeom>
             <a:ln w="38100">
               <a:solidFill>
-                <a:schemeClr val="bg1">
-                  <a:lumMod val="50000"/>
-                </a:schemeClr>
+                <a:srgbClr val="5B9BD5"/>
               </a:solidFill>
-              <a:prstDash val="dash"/>
+              <a:prstDash val="sysDot"/>
               <a:headEnd type="triangle"/>
               <a:tailEnd type="none"/>
             </a:ln>
@@ -3636,14 +4377,14 @@
             </a:fontRef>
           </p:style>
         </p:cxnSp>
-        <mc:AlternateContent xmlns:mc="http://schemas.openxmlformats.org/markup-compatibility/2006" xmlns:a14="http://schemas.microsoft.com/office/drawing/2010/main">
-          <mc:Choice Requires="a14">
+        <mc:AlternateContent xmlns:mc="http://schemas.openxmlformats.org/markup-compatibility/2006">
+          <mc:Choice xmlns:a14="http://schemas.microsoft.com/office/drawing/2010/main" Requires="a14">
             <p:sp>
               <p:nvSpPr>
-                <p:cNvPr id="9" name="TextBox 8">
+                <p:cNvPr id="32" name="TextBox 31">
                   <a:extLst>
                     <a:ext uri="{FF2B5EF4-FFF2-40B4-BE49-F238E27FC236}">
-                      <a16:creationId xmlns:a16="http://schemas.microsoft.com/office/drawing/2014/main" id="{82A599F0-BCFD-CD5D-CCA9-5CA656F931EA}"/>
+                      <a16:creationId xmlns:a16="http://schemas.microsoft.com/office/drawing/2014/main" id="{EFBD2434-8998-2C3F-1B2F-CBCDE0DA32D6}"/>
                     </a:ext>
                   </a:extLst>
                 </p:cNvPr>
@@ -3652,8 +4393,8 @@
               </p:nvSpPr>
               <p:spPr>
                 <a:xfrm>
-                  <a:off x="6394245" y="2641970"/>
-                  <a:ext cx="499730" cy="369332"/>
+                  <a:off x="4851560" y="3913259"/>
+                  <a:ext cx="591334" cy="374270"/>
                 </a:xfrm>
                 <a:prstGeom prst="rect">
                   <a:avLst/>
@@ -3666,37 +4407,65 @@
                 </a:bodyPr>
                 <a:lstStyle/>
                 <a:p>
-                  <a:pPr/>
                   <a14:m>
                     <m:oMathPara xmlns:m="http://schemas.openxmlformats.org/officeDocument/2006/math">
                       <m:oMathParaPr>
                         <m:jc m:val="centerGroup"/>
                       </m:oMathParaPr>
                       <m:oMath xmlns:m="http://schemas.openxmlformats.org/officeDocument/2006/math">
-                        <m:r>
-                          <a:rPr lang="en-US" i="1" dirty="0" smtClean="0">
-                            <a:solidFill>
-                              <a:srgbClr val="7F7F7F"/>
-                            </a:solidFill>
-                            <a:latin typeface="Cambria Math" panose="02040503050406030204" pitchFamily="18" charset="0"/>
-                          </a:rPr>
-                          <m:t>𝑥</m:t>
-                        </m:r>
+                        <m:sSup>
+                          <m:sSupPr>
+                            <m:ctrlPr>
+                              <a:rPr lang="en-US" b="0" i="1" smtClean="0">
+                                <a:solidFill>
+                                  <a:srgbClr val="5B9BD5"/>
+                                </a:solidFill>
+                                <a:latin typeface="Cambria Math" panose="02040503050406030204" pitchFamily="18" charset="0"/>
+                              </a:rPr>
+                            </m:ctrlPr>
+                          </m:sSupPr>
+                          <m:e>
+                            <m:r>
+                              <a:rPr lang="en-US" b="0" i="1" smtClean="0">
+                                <a:solidFill>
+                                  <a:srgbClr val="5B9BD5"/>
+                                </a:solidFill>
+                                <a:latin typeface="Cambria Math" panose="02040503050406030204" pitchFamily="18" charset="0"/>
+                              </a:rPr>
+                              <m:t>𝑤</m:t>
+                            </m:r>
+                          </m:e>
+                          <m:sup>
+                            <m:r>
+                              <a:rPr lang="en-US" b="0" i="1" smtClean="0">
+                                <a:solidFill>
+                                  <a:srgbClr val="5B9BD5"/>
+                                </a:solidFill>
+                                <a:latin typeface="Cambria Math" panose="02040503050406030204" pitchFamily="18" charset="0"/>
+                              </a:rPr>
+                              <m:t>h</m:t>
+                            </m:r>
+                          </m:sup>
+                        </m:sSup>
                       </m:oMath>
                     </m:oMathPara>
                   </a14:m>
-                  <a:endParaRPr lang="en-US" dirty="0"/>
+                  <a:endParaRPr lang="en-US" b="0" dirty="0">
+                    <a:solidFill>
+                      <a:srgbClr val="5B9BD5"/>
+                    </a:solidFill>
+                  </a:endParaRPr>
                 </a:p>
               </p:txBody>
             </p:sp>
           </mc:Choice>
-          <mc:Fallback xmlns="">
+          <mc:Fallback>
             <p:sp>
               <p:nvSpPr>
-                <p:cNvPr id="17" name="TextBox 16">
+                <p:cNvPr id="32" name="TextBox 31">
                   <a:extLst>
                     <a:ext uri="{FF2B5EF4-FFF2-40B4-BE49-F238E27FC236}">
-                      <a16:creationId xmlns:a16="http://schemas.microsoft.com/office/drawing/2014/main" id="{2E9952B8-26D9-0B4E-A286-AAFE99B37FCC}"/>
+                      <a16:creationId xmlns:a16="http://schemas.microsoft.com/office/drawing/2014/main" id="{EFBD2434-8998-2C3F-1B2F-CBCDE0DA32D6}"/>
                     </a:ext>
                   </a:extLst>
                 </p:cNvPr>
@@ -3707,14 +4476,14 @@
               </p:nvSpPr>
               <p:spPr>
                 <a:xfrm>
-                  <a:off x="6394245" y="2641970"/>
-                  <a:ext cx="499730" cy="369332"/>
+                  <a:off x="4851560" y="3913259"/>
+                  <a:ext cx="591334" cy="374270"/>
                 </a:xfrm>
                 <a:prstGeom prst="rect">
                   <a:avLst/>
                 </a:prstGeom>
                 <a:blipFill>
-                  <a:blip r:embed="rId5"/>
+                  <a:blip r:embed="rId9"/>
                   <a:stretch>
                     <a:fillRect/>
                   </a:stretch>
@@ -3739,10 +4508,10 @@
           <mc:Choice xmlns:a14="http://schemas.microsoft.com/office/drawing/2010/main" Requires="a14">
             <p:sp>
               <p:nvSpPr>
-                <p:cNvPr id="10" name="TextBox 9">
+                <p:cNvPr id="33" name="TextBox 32">
                   <a:extLst>
                     <a:ext uri="{FF2B5EF4-FFF2-40B4-BE49-F238E27FC236}">
-                      <a16:creationId xmlns:a16="http://schemas.microsoft.com/office/drawing/2014/main" id="{B4CD42B5-D326-DF4E-508F-60547B3EF61D}"/>
+                      <a16:creationId xmlns:a16="http://schemas.microsoft.com/office/drawing/2014/main" id="{6C3B0126-9282-3A50-2E07-EB2F58E8870A}"/>
                     </a:ext>
                   </a:extLst>
                 </p:cNvPr>
@@ -3751,8 +4520,8 @@
               </p:nvSpPr>
               <p:spPr>
                 <a:xfrm>
-                  <a:off x="4233408" y="411291"/>
-                  <a:ext cx="499730" cy="369332"/>
+                  <a:off x="3848518" y="3117320"/>
+                  <a:ext cx="591334" cy="369332"/>
                 </a:xfrm>
                 <a:prstGeom prst="rect">
                   <a:avLst/>
@@ -3765,26 +4534,54 @@
                 </a:bodyPr>
                 <a:lstStyle/>
                 <a:p>
-                  <a:pPr/>
                   <a14:m>
                     <m:oMathPara xmlns:m="http://schemas.openxmlformats.org/officeDocument/2006/math">
                       <m:oMathParaPr>
                         <m:jc m:val="centerGroup"/>
                       </m:oMathParaPr>
                       <m:oMath xmlns:m="http://schemas.openxmlformats.org/officeDocument/2006/math">
-                        <m:r>
-                          <a:rPr lang="en-US" b="0" i="1" dirty="0" smtClean="0">
-                            <a:solidFill>
-                              <a:srgbClr val="7F7F7F"/>
-                            </a:solidFill>
-                            <a:latin typeface="Cambria Math" panose="02040503050406030204" pitchFamily="18" charset="0"/>
-                          </a:rPr>
-                          <m:t>𝑦</m:t>
-                        </m:r>
+                        <m:sSup>
+                          <m:sSupPr>
+                            <m:ctrlPr>
+                              <a:rPr lang="en-US" b="0" i="1" smtClean="0">
+                                <a:solidFill>
+                                  <a:srgbClr val="5B9BD5"/>
+                                </a:solidFill>
+                                <a:latin typeface="Cambria Math" panose="02040503050406030204" pitchFamily="18" charset="0"/>
+                              </a:rPr>
+                            </m:ctrlPr>
+                          </m:sSupPr>
+                          <m:e>
+                            <m:r>
+                              <a:rPr lang="en-US" b="0" i="1" smtClean="0">
+                                <a:solidFill>
+                                  <a:srgbClr val="5B9BD5"/>
+                                </a:solidFill>
+                                <a:latin typeface="Cambria Math" panose="02040503050406030204" pitchFamily="18" charset="0"/>
+                              </a:rPr>
+                              <m:t>𝑤</m:t>
+                            </m:r>
+                          </m:e>
+                          <m:sup>
+                            <m:r>
+                              <a:rPr lang="en-US" b="0" i="1" smtClean="0">
+                                <a:solidFill>
+                                  <a:srgbClr val="5B9BD5"/>
+                                </a:solidFill>
+                                <a:latin typeface="Cambria Math" panose="02040503050406030204" pitchFamily="18" charset="0"/>
+                              </a:rPr>
+                              <m:t>𝑣</m:t>
+                            </m:r>
+                          </m:sup>
+                        </m:sSup>
                       </m:oMath>
                     </m:oMathPara>
                   </a14:m>
-                  <a:endParaRPr lang="en-US" dirty="0"/>
+                  <a:endParaRPr lang="en-US" dirty="0">
+                    <a:solidFill>
+                      <a:srgbClr val="5B9BD5"/>
+                    </a:solidFill>
+                  </a:endParaRPr>
                 </a:p>
               </p:txBody>
             </p:sp>
@@ -3792,10 +4589,10 @@
           <mc:Fallback>
             <p:sp>
               <p:nvSpPr>
-                <p:cNvPr id="10" name="TextBox 9">
+                <p:cNvPr id="33" name="TextBox 32">
                   <a:extLst>
                     <a:ext uri="{FF2B5EF4-FFF2-40B4-BE49-F238E27FC236}">
-                      <a16:creationId xmlns:a16="http://schemas.microsoft.com/office/drawing/2014/main" id="{B4CD42B5-D326-DF4E-508F-60547B3EF61D}"/>
+                      <a16:creationId xmlns:a16="http://schemas.microsoft.com/office/drawing/2014/main" id="{6C3B0126-9282-3A50-2E07-EB2F58E8870A}"/>
                     </a:ext>
                   </a:extLst>
                 </p:cNvPr>
@@ -3806,14 +4603,14 @@
               </p:nvSpPr>
               <p:spPr>
                 <a:xfrm>
-                  <a:off x="4233408" y="411291"/>
-                  <a:ext cx="499730" cy="369332"/>
+                  <a:off x="3848518" y="3117320"/>
+                  <a:ext cx="591334" cy="369332"/>
                 </a:xfrm>
                 <a:prstGeom prst="rect">
                   <a:avLst/>
                 </a:prstGeom>
                 <a:blipFill>
-                  <a:blip r:embed="rId6"/>
+                  <a:blip r:embed="rId10"/>
                   <a:stretch>
                     <a:fillRect/>
                   </a:stretch>
@@ -3836,10 +4633,10 @@
         </mc:AlternateContent>
         <p:cxnSp>
           <p:nvCxnSpPr>
-            <p:cNvPr id="11" name="Straight Connector 10">
+            <p:cNvPr id="34" name="Straight Connector 33">
               <a:extLst>
                 <a:ext uri="{FF2B5EF4-FFF2-40B4-BE49-F238E27FC236}">
-                  <a16:creationId xmlns:a16="http://schemas.microsoft.com/office/drawing/2014/main" id="{713BA33E-DDA1-9E99-A1DE-4A2927D4D34C}"/>
+                  <a16:creationId xmlns:a16="http://schemas.microsoft.com/office/drawing/2014/main" id="{E89429A2-F77C-0E33-22F3-559343066AFC}"/>
                 </a:ext>
               </a:extLst>
             </p:cNvPr>
@@ -3850,8 +4647,8 @@
           </p:nvCxnSpPr>
           <p:spPr>
             <a:xfrm flipH="1">
-              <a:off x="2897130" y="2716922"/>
-              <a:ext cx="1607289" cy="875414"/>
+              <a:off x="3998781" y="5532020"/>
+              <a:ext cx="2715827" cy="0"/>
             </a:xfrm>
             <a:prstGeom prst="line">
               <a:avLst/>
@@ -3860,8 +4657,8 @@
               <a:solidFill>
                 <a:srgbClr val="C00000"/>
               </a:solidFill>
-              <a:prstDash val="sysDash"/>
-              <a:headEnd type="none"/>
+              <a:prstDash val="sysDot"/>
+              <a:headEnd type="triangle"/>
               <a:tailEnd type="none"/>
             </a:ln>
           </p:spPr>
@@ -3880,168 +4677,14 @@
             </a:fontRef>
           </p:style>
         </p:cxnSp>
-        <p:cxnSp>
-          <p:nvCxnSpPr>
-            <p:cNvPr id="12" name="Straight Arrow Connector 11">
-              <a:extLst>
-                <a:ext uri="{FF2B5EF4-FFF2-40B4-BE49-F238E27FC236}">
-                  <a16:creationId xmlns:a16="http://schemas.microsoft.com/office/drawing/2014/main" id="{04AF62AD-8583-31EE-232E-E85DED8FC257}"/>
-                </a:ext>
-              </a:extLst>
-            </p:cNvPr>
-            <p:cNvCxnSpPr>
-              <a:cxnSpLocks/>
-              <a:endCxn id="19" idx="1"/>
-            </p:cNvCxnSpPr>
-            <p:nvPr/>
-          </p:nvCxnSpPr>
-          <p:spPr>
-            <a:xfrm>
-              <a:off x="3123414" y="1871175"/>
-              <a:ext cx="1489679" cy="770796"/>
-            </a:xfrm>
-            <a:prstGeom prst="straightConnector1">
-              <a:avLst/>
-            </a:prstGeom>
-            <a:ln w="38100">
-              <a:solidFill>
-                <a:srgbClr val="5B9BD5"/>
-              </a:solidFill>
-              <a:prstDash val="solid"/>
-              <a:tailEnd type="triangle"/>
-            </a:ln>
-          </p:spPr>
-          <p:style>
-            <a:lnRef idx="1">
-              <a:schemeClr val="accent1"/>
-            </a:lnRef>
-            <a:fillRef idx="0">
-              <a:schemeClr val="accent1"/>
-            </a:fillRef>
-            <a:effectRef idx="0">
-              <a:schemeClr val="accent1"/>
-            </a:effectRef>
-            <a:fontRef idx="minor">
-              <a:schemeClr val="tx1"/>
-            </a:fontRef>
-          </p:style>
-        </p:cxnSp>
-        <p:sp>
-          <p:nvSpPr>
-            <p:cNvPr id="13" name="Arc 12">
-              <a:extLst>
-                <a:ext uri="{FF2B5EF4-FFF2-40B4-BE49-F238E27FC236}">
-                  <a16:creationId xmlns:a16="http://schemas.microsoft.com/office/drawing/2014/main" id="{6E744F61-CC86-4FE3-E168-6498B6FCBB2A}"/>
-                </a:ext>
-              </a:extLst>
-            </p:cNvPr>
-            <p:cNvSpPr/>
-            <p:nvPr/>
-          </p:nvSpPr>
-          <p:spPr>
-            <a:xfrm>
-              <a:off x="3927293" y="1997495"/>
-              <a:ext cx="1371600" cy="1371600"/>
-            </a:xfrm>
-            <a:prstGeom prst="arc">
-              <a:avLst>
-                <a:gd name="adj1" fmla="val 16298283"/>
-                <a:gd name="adj2" fmla="val 9130534"/>
-              </a:avLst>
-            </a:prstGeom>
-            <a:noFill/>
-            <a:ln w="38100">
-              <a:solidFill>
-                <a:srgbClr val="C00000"/>
-              </a:solidFill>
-              <a:tailEnd type="triangle"/>
-            </a:ln>
-          </p:spPr>
-          <p:style>
-            <a:lnRef idx="1">
-              <a:schemeClr val="accent1"/>
-            </a:lnRef>
-            <a:fillRef idx="0">
-              <a:schemeClr val="accent1"/>
-            </a:fillRef>
-            <a:effectRef idx="0">
-              <a:schemeClr val="accent1"/>
-            </a:effectRef>
-            <a:fontRef idx="minor">
-              <a:schemeClr val="tx1"/>
-            </a:fontRef>
-          </p:style>
-          <p:txBody>
-            <a:bodyPr rtlCol="0" anchor="ctr"/>
-            <a:lstStyle/>
-            <a:p>
-              <a:pPr algn="ctr"/>
-              <a:endParaRPr lang="en-US" dirty="0"/>
-            </a:p>
-          </p:txBody>
-        </p:sp>
-        <p:sp>
-          <p:nvSpPr>
-            <p:cNvPr id="14" name="Arc 13">
-              <a:extLst>
-                <a:ext uri="{FF2B5EF4-FFF2-40B4-BE49-F238E27FC236}">
-                  <a16:creationId xmlns:a16="http://schemas.microsoft.com/office/drawing/2014/main" id="{58D08C88-16F7-73F2-71E7-305C5BF769C1}"/>
-                </a:ext>
-              </a:extLst>
-            </p:cNvPr>
-            <p:cNvSpPr/>
-            <p:nvPr/>
-          </p:nvSpPr>
-          <p:spPr>
-            <a:xfrm>
-              <a:off x="3769060" y="1816651"/>
-              <a:ext cx="1725590" cy="1725590"/>
-            </a:xfrm>
-            <a:prstGeom prst="arc">
-              <a:avLst>
-                <a:gd name="adj1" fmla="val 16222490"/>
-                <a:gd name="adj2" fmla="val 12547643"/>
-              </a:avLst>
-            </a:prstGeom>
-            <a:noFill/>
-            <a:ln w="38100">
-              <a:solidFill>
-                <a:srgbClr val="5B9BD5"/>
-              </a:solidFill>
-              <a:tailEnd type="triangle"/>
-            </a:ln>
-          </p:spPr>
-          <p:style>
-            <a:lnRef idx="1">
-              <a:schemeClr val="accent1"/>
-            </a:lnRef>
-            <a:fillRef idx="0">
-              <a:schemeClr val="accent1"/>
-            </a:fillRef>
-            <a:effectRef idx="0">
-              <a:schemeClr val="accent1"/>
-            </a:effectRef>
-            <a:fontRef idx="minor">
-              <a:schemeClr val="tx1"/>
-            </a:fontRef>
-          </p:style>
-          <p:txBody>
-            <a:bodyPr rtlCol="0" anchor="ctr"/>
-            <a:lstStyle/>
-            <a:p>
-              <a:pPr algn="ctr"/>
-              <a:endParaRPr lang="en-US" dirty="0"/>
-            </a:p>
-          </p:txBody>
-        </p:sp>
         <mc:AlternateContent xmlns:mc="http://schemas.openxmlformats.org/markup-compatibility/2006">
           <mc:Choice xmlns:a14="http://schemas.microsoft.com/office/drawing/2010/main" Requires="a14">
             <p:sp>
               <p:nvSpPr>
-                <p:cNvPr id="15" name="TextBox 14">
+                <p:cNvPr id="36" name="TextBox 35">
                   <a:extLst>
                     <a:ext uri="{FF2B5EF4-FFF2-40B4-BE49-F238E27FC236}">
-                      <a16:creationId xmlns:a16="http://schemas.microsoft.com/office/drawing/2014/main" id="{5FC505E4-A594-5697-DEE4-55139404A60E}"/>
+                      <a16:creationId xmlns:a16="http://schemas.microsoft.com/office/drawing/2014/main" id="{6BEBEA8F-E269-B25C-3915-349B1503E77B}"/>
                     </a:ext>
                   </a:extLst>
                 </p:cNvPr>
@@ -4049,9 +4692,9 @@
                 <p:nvPr/>
               </p:nvSpPr>
               <p:spPr>
-                <a:xfrm rot="1591325">
-                  <a:off x="3078711" y="1978601"/>
-                  <a:ext cx="1333876" cy="221226"/>
+                <a:xfrm>
+                  <a:off x="6553540" y="4685666"/>
+                  <a:ext cx="701641" cy="369332"/>
                 </a:xfrm>
                 <a:prstGeom prst="rect">
                   <a:avLst/>
@@ -4064,40 +4707,52 @@
                 </a:bodyPr>
                 <a:lstStyle/>
                 <a:p>
-                  <a:r>
-                    <a:rPr lang="en-US" b="0" dirty="0">
-                      <a:solidFill>
-                        <a:srgbClr val="5B9BD5"/>
-                      </a:solidFill>
-                      <a:latin typeface="Modern No. 20" panose="02070704070505020303" pitchFamily="18" charset="77"/>
-                    </a:rPr>
-                    <a:t>Wind Direction, </a:t>
-                  </a:r>
                   <a14:m>
-                    <m:oMath xmlns:m="http://schemas.openxmlformats.org/officeDocument/2006/math">
-                      <m:r>
-                        <a:rPr lang="en-US" b="0" i="1" smtClean="0">
-                          <a:solidFill>
-                            <a:srgbClr val="5B9BD5"/>
-                          </a:solidFill>
-                          <a:latin typeface="Cambria Math" panose="02040503050406030204" pitchFamily="18" charset="0"/>
-                        </a:rPr>
-                        <m:t>∠</m:t>
-                      </m:r>
-                      <m:r>
-                        <a:rPr lang="en-US" b="0" i="1" smtClean="0">
-                          <a:solidFill>
-                            <a:srgbClr val="5B9BD5"/>
-                          </a:solidFill>
-                          <a:latin typeface="Cambria Math" panose="02040503050406030204" pitchFamily="18" charset="0"/>
-                        </a:rPr>
-                        <m:t>𝑤</m:t>
-                      </m:r>
-                    </m:oMath>
+                    <m:oMathPara xmlns:m="http://schemas.openxmlformats.org/officeDocument/2006/math">
+                      <m:oMathParaPr>
+                        <m:jc m:val="centerGroup"/>
+                      </m:oMathParaPr>
+                      <m:oMath xmlns:m="http://schemas.openxmlformats.org/officeDocument/2006/math">
+                        <m:sSup>
+                          <m:sSupPr>
+                            <m:ctrlPr>
+                              <a:rPr lang="en-US" b="0" i="1" smtClean="0">
+                                <a:solidFill>
+                                  <a:srgbClr val="C00000"/>
+                                </a:solidFill>
+                                <a:latin typeface="Cambria Math" panose="02040503050406030204" pitchFamily="18" charset="0"/>
+                              </a:rPr>
+                            </m:ctrlPr>
+                          </m:sSupPr>
+                          <m:e>
+                            <m:r>
+                              <a:rPr lang="en-US" b="0" i="1" smtClean="0">
+                                <a:solidFill>
+                                  <a:srgbClr val="C00000"/>
+                                </a:solidFill>
+                                <a:latin typeface="Cambria Math" panose="02040503050406030204" pitchFamily="18" charset="0"/>
+                              </a:rPr>
+                              <m:t>𝑛</m:t>
+                            </m:r>
+                          </m:e>
+                          <m:sup>
+                            <m:r>
+                              <a:rPr lang="en-US" b="0" i="1" smtClean="0">
+                                <a:solidFill>
+                                  <a:srgbClr val="C00000"/>
+                                </a:solidFill>
+                                <a:latin typeface="Cambria Math" panose="02040503050406030204" pitchFamily="18" charset="0"/>
+                              </a:rPr>
+                              <m:t>𝑐</m:t>
+                            </m:r>
+                          </m:sup>
+                        </m:sSup>
+                      </m:oMath>
+                    </m:oMathPara>
                   </a14:m>
-                  <a:endParaRPr lang="en-US" dirty="0">
+                  <a:endParaRPr lang="en-US" b="0" dirty="0">
                     <a:solidFill>
-                      <a:srgbClr val="5B9BD5"/>
+                      <a:srgbClr val="C00000"/>
                     </a:solidFill>
                   </a:endParaRPr>
                 </a:p>
@@ -4107,10 +4762,10 @@
           <mc:Fallback>
             <p:sp>
               <p:nvSpPr>
-                <p:cNvPr id="15" name="TextBox 14">
+                <p:cNvPr id="36" name="TextBox 35">
                   <a:extLst>
                     <a:ext uri="{FF2B5EF4-FFF2-40B4-BE49-F238E27FC236}">
-                      <a16:creationId xmlns:a16="http://schemas.microsoft.com/office/drawing/2014/main" id="{5FC505E4-A594-5697-DEE4-55139404A60E}"/>
+                      <a16:creationId xmlns:a16="http://schemas.microsoft.com/office/drawing/2014/main" id="{6BEBEA8F-E269-B25C-3915-349B1503E77B}"/>
                     </a:ext>
                   </a:extLst>
                 </p:cNvPr>
@@ -4120,17 +4775,17 @@
                 <p:nvPr/>
               </p:nvSpPr>
               <p:spPr>
-                <a:xfrm rot="1591325">
-                  <a:off x="3078711" y="1978601"/>
-                  <a:ext cx="1333876" cy="221226"/>
+                <a:xfrm>
+                  <a:off x="6553540" y="4685666"/>
+                  <a:ext cx="701641" cy="369332"/>
                 </a:xfrm>
                 <a:prstGeom prst="rect">
                   <a:avLst/>
                 </a:prstGeom>
                 <a:blipFill>
-                  <a:blip r:embed="rId7"/>
+                  <a:blip r:embed="rId11"/>
                   <a:stretch>
-                    <a:fillRect l="-3488" t="-2830"/>
+                    <a:fillRect/>
                   </a:stretch>
                 </a:blipFill>
               </p:spPr>
@@ -4153,10 +4808,10 @@
           <mc:Choice xmlns:a14="http://schemas.microsoft.com/office/drawing/2010/main" Requires="a14">
             <p:sp>
               <p:nvSpPr>
-                <p:cNvPr id="16" name="TextBox 15">
+                <p:cNvPr id="37" name="TextBox 36">
                   <a:extLst>
                     <a:ext uri="{FF2B5EF4-FFF2-40B4-BE49-F238E27FC236}">
-                      <a16:creationId xmlns:a16="http://schemas.microsoft.com/office/drawing/2014/main" id="{D6EDBBC0-1379-7563-0A7A-CA8B9C901C3E}"/>
+                      <a16:creationId xmlns:a16="http://schemas.microsoft.com/office/drawing/2014/main" id="{C875F324-32D2-B40A-240F-95B2D7CCCEF1}"/>
                     </a:ext>
                   </a:extLst>
                 </p:cNvPr>
@@ -4164,9 +4819,9 @@
                 <p:nvPr/>
               </p:nvSpPr>
               <p:spPr>
-                <a:xfrm rot="19918054">
-                  <a:off x="2588899" y="3114240"/>
-                  <a:ext cx="1429030" cy="221226"/>
+                <a:xfrm>
+                  <a:off x="5250889" y="5541098"/>
+                  <a:ext cx="701641" cy="369332"/>
                 </a:xfrm>
                 <a:prstGeom prst="rect">
                   <a:avLst/>
@@ -4179,38 +4834,50 @@
                 </a:bodyPr>
                 <a:lstStyle/>
                 <a:p>
-                  <a:r>
-                    <a:rPr lang="en-US" dirty="0">
-                      <a:solidFill>
-                        <a:srgbClr val="C00000"/>
-                      </a:solidFill>
-                      <a:latin typeface="Modern No. 20" panose="02070704070505020303" pitchFamily="18" charset="77"/>
-                    </a:rPr>
-                    <a:t>Nacelle Direction, </a:t>
-                  </a:r>
                   <a14:m>
-                    <m:oMath xmlns:m="http://schemas.openxmlformats.org/officeDocument/2006/math">
-                      <m:r>
-                        <a:rPr lang="en-US" b="0" i="1" smtClean="0">
-                          <a:solidFill>
-                            <a:srgbClr val="C00000"/>
-                          </a:solidFill>
-                          <a:latin typeface="Cambria Math" panose="02040503050406030204" pitchFamily="18" charset="0"/>
-                        </a:rPr>
-                        <m:t>∠</m:t>
-                      </m:r>
-                      <m:r>
-                        <a:rPr lang="en-US" b="0" i="1" smtClean="0">
-                          <a:solidFill>
-                            <a:srgbClr val="C00000"/>
-                          </a:solidFill>
-                          <a:latin typeface="Cambria Math" panose="02040503050406030204" pitchFamily="18" charset="0"/>
-                        </a:rPr>
-                        <m:t>𝑛</m:t>
-                      </m:r>
-                    </m:oMath>
+                    <m:oMathPara xmlns:m="http://schemas.openxmlformats.org/officeDocument/2006/math">
+                      <m:oMathParaPr>
+                        <m:jc m:val="centerGroup"/>
+                      </m:oMathParaPr>
+                      <m:oMath xmlns:m="http://schemas.openxmlformats.org/officeDocument/2006/math">
+                        <m:sSup>
+                          <m:sSupPr>
+                            <m:ctrlPr>
+                              <a:rPr lang="en-US" b="0" i="1" smtClean="0">
+                                <a:solidFill>
+                                  <a:srgbClr val="C00000"/>
+                                </a:solidFill>
+                                <a:latin typeface="Cambria Math" panose="02040503050406030204" pitchFamily="18" charset="0"/>
+                              </a:rPr>
+                            </m:ctrlPr>
+                          </m:sSupPr>
+                          <m:e>
+                            <m:r>
+                              <a:rPr lang="en-US" b="0" i="1" smtClean="0">
+                                <a:solidFill>
+                                  <a:srgbClr val="C00000"/>
+                                </a:solidFill>
+                                <a:latin typeface="Cambria Math" panose="02040503050406030204" pitchFamily="18" charset="0"/>
+                              </a:rPr>
+                              <m:t>𝑛</m:t>
+                            </m:r>
+                          </m:e>
+                          <m:sup>
+                            <m:r>
+                              <a:rPr lang="en-US" b="0" i="1" smtClean="0">
+                                <a:solidFill>
+                                  <a:srgbClr val="C00000"/>
+                                </a:solidFill>
+                                <a:latin typeface="Cambria Math" panose="02040503050406030204" pitchFamily="18" charset="0"/>
+                              </a:rPr>
+                              <m:t>𝑠</m:t>
+                            </m:r>
+                          </m:sup>
+                        </m:sSup>
+                      </m:oMath>
+                    </m:oMathPara>
                   </a14:m>
-                  <a:endParaRPr lang="en-US" dirty="0">
+                  <a:endParaRPr lang="en-US" b="0" dirty="0">
                     <a:solidFill>
                       <a:srgbClr val="C00000"/>
                     </a:solidFill>
@@ -4222,10 +4889,10 @@
           <mc:Fallback>
             <p:sp>
               <p:nvSpPr>
-                <p:cNvPr id="16" name="TextBox 15">
+                <p:cNvPr id="37" name="TextBox 36">
                   <a:extLst>
                     <a:ext uri="{FF2B5EF4-FFF2-40B4-BE49-F238E27FC236}">
-                      <a16:creationId xmlns:a16="http://schemas.microsoft.com/office/drawing/2014/main" id="{D6EDBBC0-1379-7563-0A7A-CA8B9C901C3E}"/>
+                      <a16:creationId xmlns:a16="http://schemas.microsoft.com/office/drawing/2014/main" id="{C875F324-32D2-B40A-240F-95B2D7CCCEF1}"/>
                     </a:ext>
                   </a:extLst>
                 </p:cNvPr>
@@ -4235,17 +4902,17 @@
                 <p:nvPr/>
               </p:nvSpPr>
               <p:spPr>
-                <a:xfrm rot="19918054">
-                  <a:off x="2588899" y="3114240"/>
-                  <a:ext cx="1429030" cy="221226"/>
+                <a:xfrm>
+                  <a:off x="5250889" y="5541098"/>
+                  <a:ext cx="701641" cy="369332"/>
                 </a:xfrm>
                 <a:prstGeom prst="rect">
                   <a:avLst/>
                 </a:prstGeom>
                 <a:blipFill>
-                  <a:blip r:embed="rId8"/>
+                  <a:blip r:embed="rId12"/>
                   <a:stretch>
-                    <a:fillRect l="-2210" b="-6957"/>
+                    <a:fillRect/>
                   </a:stretch>
                 </a:blipFill>
               </p:spPr>
@@ -4264,699 +4931,53 @@
             </p:sp>
           </mc:Fallback>
         </mc:AlternateContent>
+        <p:cxnSp>
+          <p:nvCxnSpPr>
+            <p:cNvPr id="39" name="Straight Connector 38">
+              <a:extLst>
+                <a:ext uri="{FF2B5EF4-FFF2-40B4-BE49-F238E27FC236}">
+                  <a16:creationId xmlns:a16="http://schemas.microsoft.com/office/drawing/2014/main" id="{30C8927E-A94E-DFF6-3234-ABE473FBFFB1}"/>
+                </a:ext>
+              </a:extLst>
+            </p:cNvPr>
+            <p:cNvCxnSpPr>
+              <a:cxnSpLocks/>
+            </p:cNvCxnSpPr>
+            <p:nvPr/>
+          </p:nvCxnSpPr>
+          <p:spPr>
+            <a:xfrm>
+              <a:off x="6714608" y="4018335"/>
+              <a:ext cx="0" cy="1494533"/>
+            </a:xfrm>
+            <a:prstGeom prst="line">
+              <a:avLst/>
+            </a:prstGeom>
+            <a:ln w="38100">
+              <a:solidFill>
+                <a:srgbClr val="C00000"/>
+              </a:solidFill>
+              <a:prstDash val="sysDot"/>
+              <a:headEnd type="triangle"/>
+              <a:tailEnd type="none"/>
+            </a:ln>
+          </p:spPr>
+          <p:style>
+            <a:lnRef idx="1">
+              <a:schemeClr val="dk1"/>
+            </a:lnRef>
+            <a:fillRef idx="0">
+              <a:schemeClr val="dk1"/>
+            </a:fillRef>
+            <a:effectRef idx="0">
+              <a:schemeClr val="dk1"/>
+            </a:effectRef>
+            <a:fontRef idx="minor">
+              <a:schemeClr val="tx1"/>
+            </a:fontRef>
+          </p:style>
+        </p:cxnSp>
       </p:grpSp>
-      <p:cxnSp>
-        <p:nvCxnSpPr>
-          <p:cNvPr id="27" name="Straight Connector 26">
-            <a:extLst>
-              <a:ext uri="{FF2B5EF4-FFF2-40B4-BE49-F238E27FC236}">
-                <a16:creationId xmlns:a16="http://schemas.microsoft.com/office/drawing/2014/main" id="{07FAA774-4916-7D31-1E2A-459AD01629F1}"/>
-              </a:ext>
-            </a:extLst>
-          </p:cNvPr>
-          <p:cNvCxnSpPr>
-            <a:cxnSpLocks/>
-          </p:cNvCxnSpPr>
-          <p:nvPr/>
-        </p:nvCxnSpPr>
-        <p:spPr>
-          <a:xfrm flipH="1">
-            <a:off x="4358214" y="3945401"/>
-            <a:ext cx="2356394" cy="0"/>
-          </a:xfrm>
-          <a:prstGeom prst="line">
-            <a:avLst/>
-          </a:prstGeom>
-          <a:ln w="38100">
-            <a:solidFill>
-              <a:srgbClr val="5B9BD5"/>
-            </a:solidFill>
-            <a:prstDash val="sysDot"/>
-            <a:headEnd type="triangle"/>
-            <a:tailEnd type="none"/>
-          </a:ln>
-        </p:spPr>
-        <p:style>
-          <a:lnRef idx="1">
-            <a:schemeClr val="dk1"/>
-          </a:lnRef>
-          <a:fillRef idx="0">
-            <a:schemeClr val="dk1"/>
-          </a:fillRef>
-          <a:effectRef idx="0">
-            <a:schemeClr val="dk1"/>
-          </a:effectRef>
-          <a:fontRef idx="minor">
-            <a:schemeClr val="tx1"/>
-          </a:fontRef>
-        </p:style>
-      </p:cxnSp>
-      <p:cxnSp>
-        <p:nvCxnSpPr>
-          <p:cNvPr id="29" name="Straight Connector 28">
-            <a:extLst>
-              <a:ext uri="{FF2B5EF4-FFF2-40B4-BE49-F238E27FC236}">
-                <a16:creationId xmlns:a16="http://schemas.microsoft.com/office/drawing/2014/main" id="{664A7BF4-C424-3B3C-9882-CC83E71189AC}"/>
-              </a:ext>
-            </a:extLst>
-          </p:cNvPr>
-          <p:cNvCxnSpPr>
-            <a:cxnSpLocks/>
-          </p:cNvCxnSpPr>
-          <p:nvPr/>
-        </p:nvCxnSpPr>
-        <p:spPr>
-          <a:xfrm flipV="1">
-            <a:off x="4358214" y="2658573"/>
-            <a:ext cx="0" cy="1286828"/>
-          </a:xfrm>
-          <a:prstGeom prst="line">
-            <a:avLst/>
-          </a:prstGeom>
-          <a:ln w="38100">
-            <a:solidFill>
-              <a:srgbClr val="5B9BD5"/>
-            </a:solidFill>
-            <a:prstDash val="sysDot"/>
-            <a:headEnd type="triangle"/>
-            <a:tailEnd type="none"/>
-          </a:ln>
-        </p:spPr>
-        <p:style>
-          <a:lnRef idx="1">
-            <a:schemeClr val="dk1"/>
-          </a:lnRef>
-          <a:fillRef idx="0">
-            <a:schemeClr val="dk1"/>
-          </a:fillRef>
-          <a:effectRef idx="0">
-            <a:schemeClr val="dk1"/>
-          </a:effectRef>
-          <a:fontRef idx="minor">
-            <a:schemeClr val="tx1"/>
-          </a:fontRef>
-        </p:style>
-      </p:cxnSp>
-      <mc:AlternateContent xmlns:mc="http://schemas.openxmlformats.org/markup-compatibility/2006">
-        <mc:Choice xmlns:a14="http://schemas.microsoft.com/office/drawing/2010/main" Requires="a14">
-          <p:sp>
-            <p:nvSpPr>
-              <p:cNvPr id="32" name="TextBox 31">
-                <a:extLst>
-                  <a:ext uri="{FF2B5EF4-FFF2-40B4-BE49-F238E27FC236}">
-                    <a16:creationId xmlns:a16="http://schemas.microsoft.com/office/drawing/2014/main" id="{EFBD2434-8998-2C3F-1B2F-CBCDE0DA32D6}"/>
-                  </a:ext>
-                </a:extLst>
-              </p:cNvPr>
-              <p:cNvSpPr txBox="1"/>
-              <p:nvPr/>
-            </p:nvSpPr>
-            <p:spPr>
-              <a:xfrm>
-                <a:off x="4851560" y="3913259"/>
-                <a:ext cx="591334" cy="369333"/>
-              </a:xfrm>
-              <a:prstGeom prst="rect">
-                <a:avLst/>
-              </a:prstGeom>
-              <a:noFill/>
-            </p:spPr>
-            <p:txBody>
-              <a:bodyPr wrap="square" rtlCol="0">
-                <a:spAutoFit/>
-              </a:bodyPr>
-              <a:lstStyle/>
-              <a:p>
-                <a14:m>
-                  <m:oMathPara xmlns:m="http://schemas.openxmlformats.org/officeDocument/2006/math">
-                    <m:oMathParaPr>
-                      <m:jc m:val="centerGroup"/>
-                    </m:oMathParaPr>
-                    <m:oMath xmlns:m="http://schemas.openxmlformats.org/officeDocument/2006/math">
-                      <m:sSub>
-                        <m:sSubPr>
-                          <m:ctrlPr>
-                            <a:rPr lang="en-US" b="0" i="1" smtClean="0">
-                              <a:solidFill>
-                                <a:srgbClr val="5B9BD5"/>
-                              </a:solidFill>
-                              <a:latin typeface="Cambria Math" panose="02040503050406030204" pitchFamily="18" charset="0"/>
-                            </a:rPr>
-                          </m:ctrlPr>
-                        </m:sSubPr>
-                        <m:e>
-                          <m:r>
-                            <a:rPr lang="en-US" b="0" i="1" smtClean="0">
-                              <a:solidFill>
-                                <a:srgbClr val="5B9BD5"/>
-                              </a:solidFill>
-                              <a:latin typeface="Cambria Math" panose="02040503050406030204" pitchFamily="18" charset="0"/>
-                            </a:rPr>
-                            <m:t>𝑤</m:t>
-                          </m:r>
-                        </m:e>
-                        <m:sub>
-                          <m:r>
-                            <a:rPr lang="en-US" b="0" i="1" smtClean="0">
-                              <a:solidFill>
-                                <a:srgbClr val="5B9BD5"/>
-                              </a:solidFill>
-                              <a:latin typeface="Cambria Math" panose="02040503050406030204" pitchFamily="18" charset="0"/>
-                            </a:rPr>
-                            <m:t>h</m:t>
-                          </m:r>
-                        </m:sub>
-                      </m:sSub>
-                    </m:oMath>
-                  </m:oMathPara>
-                </a14:m>
-                <a:endParaRPr lang="en-US" dirty="0">
-                  <a:solidFill>
-                    <a:srgbClr val="5B9BD5"/>
-                  </a:solidFill>
-                </a:endParaRPr>
-              </a:p>
-            </p:txBody>
-          </p:sp>
-        </mc:Choice>
-        <mc:Fallback>
-          <p:sp>
-            <p:nvSpPr>
-              <p:cNvPr id="32" name="TextBox 31">
-                <a:extLst>
-                  <a:ext uri="{FF2B5EF4-FFF2-40B4-BE49-F238E27FC236}">
-                    <a16:creationId xmlns:a16="http://schemas.microsoft.com/office/drawing/2014/main" id="{EFBD2434-8998-2C3F-1B2F-CBCDE0DA32D6}"/>
-                  </a:ext>
-                </a:extLst>
-              </p:cNvPr>
-              <p:cNvSpPr txBox="1">
-                <a:spLocks noRot="1" noChangeAspect="1" noMove="1" noResize="1" noEditPoints="1" noAdjustHandles="1" noChangeArrowheads="1" noChangeShapeType="1" noTextEdit="1"/>
-              </p:cNvSpPr>
-              <p:nvPr/>
-            </p:nvSpPr>
-            <p:spPr>
-              <a:xfrm>
-                <a:off x="4851560" y="3913259"/>
-                <a:ext cx="591334" cy="369333"/>
-              </a:xfrm>
-              <a:prstGeom prst="rect">
-                <a:avLst/>
-              </a:prstGeom>
-              <a:blipFill>
-                <a:blip r:embed="rId9"/>
-                <a:stretch>
-                  <a:fillRect/>
-                </a:stretch>
-              </a:blipFill>
-            </p:spPr>
-            <p:txBody>
-              <a:bodyPr/>
-              <a:lstStyle/>
-              <a:p>
-                <a:r>
-                  <a:rPr lang="en-US">
-                    <a:noFill/>
-                  </a:rPr>
-                  <a:t> </a:t>
-                </a:r>
-              </a:p>
-            </p:txBody>
-          </p:sp>
-        </mc:Fallback>
-      </mc:AlternateContent>
-      <mc:AlternateContent xmlns:mc="http://schemas.openxmlformats.org/markup-compatibility/2006">
-        <mc:Choice xmlns:a14="http://schemas.microsoft.com/office/drawing/2010/main" Requires="a14">
-          <p:sp>
-            <p:nvSpPr>
-              <p:cNvPr id="33" name="TextBox 32">
-                <a:extLst>
-                  <a:ext uri="{FF2B5EF4-FFF2-40B4-BE49-F238E27FC236}">
-                    <a16:creationId xmlns:a16="http://schemas.microsoft.com/office/drawing/2014/main" id="{6C3B0126-9282-3A50-2E07-EB2F58E8870A}"/>
-                  </a:ext>
-                </a:extLst>
-              </p:cNvPr>
-              <p:cNvSpPr txBox="1"/>
-              <p:nvPr/>
-            </p:nvSpPr>
-            <p:spPr>
-              <a:xfrm>
-                <a:off x="3848518" y="3117320"/>
-                <a:ext cx="591334" cy="369333"/>
-              </a:xfrm>
-              <a:prstGeom prst="rect">
-                <a:avLst/>
-              </a:prstGeom>
-              <a:noFill/>
-            </p:spPr>
-            <p:txBody>
-              <a:bodyPr wrap="square" rtlCol="0">
-                <a:spAutoFit/>
-              </a:bodyPr>
-              <a:lstStyle/>
-              <a:p>
-                <a14:m>
-                  <m:oMathPara xmlns:m="http://schemas.openxmlformats.org/officeDocument/2006/math">
-                    <m:oMathParaPr>
-                      <m:jc m:val="centerGroup"/>
-                    </m:oMathParaPr>
-                    <m:oMath xmlns:m="http://schemas.openxmlformats.org/officeDocument/2006/math">
-                      <m:sSub>
-                        <m:sSubPr>
-                          <m:ctrlPr>
-                            <a:rPr lang="en-US" b="0" i="1" smtClean="0">
-                              <a:solidFill>
-                                <a:srgbClr val="5B9BD5"/>
-                              </a:solidFill>
-                              <a:latin typeface="Cambria Math" panose="02040503050406030204" pitchFamily="18" charset="0"/>
-                            </a:rPr>
-                          </m:ctrlPr>
-                        </m:sSubPr>
-                        <m:e>
-                          <m:r>
-                            <a:rPr lang="en-US" b="0" i="1" smtClean="0">
-                              <a:solidFill>
-                                <a:srgbClr val="5B9BD5"/>
-                              </a:solidFill>
-                              <a:latin typeface="Cambria Math" panose="02040503050406030204" pitchFamily="18" charset="0"/>
-                            </a:rPr>
-                            <m:t>𝑤</m:t>
-                          </m:r>
-                        </m:e>
-                        <m:sub>
-                          <m:r>
-                            <a:rPr lang="en-US" b="0" i="1" smtClean="0">
-                              <a:solidFill>
-                                <a:srgbClr val="5B9BD5"/>
-                              </a:solidFill>
-                              <a:latin typeface="Cambria Math" panose="02040503050406030204" pitchFamily="18" charset="0"/>
-                            </a:rPr>
-                            <m:t>𝑣</m:t>
-                          </m:r>
-                        </m:sub>
-                      </m:sSub>
-                    </m:oMath>
-                  </m:oMathPara>
-                </a14:m>
-                <a:endParaRPr lang="en-US" dirty="0">
-                  <a:solidFill>
-                    <a:srgbClr val="5B9BD5"/>
-                  </a:solidFill>
-                </a:endParaRPr>
-              </a:p>
-            </p:txBody>
-          </p:sp>
-        </mc:Choice>
-        <mc:Fallback>
-          <p:sp>
-            <p:nvSpPr>
-              <p:cNvPr id="33" name="TextBox 32">
-                <a:extLst>
-                  <a:ext uri="{FF2B5EF4-FFF2-40B4-BE49-F238E27FC236}">
-                    <a16:creationId xmlns:a16="http://schemas.microsoft.com/office/drawing/2014/main" id="{6C3B0126-9282-3A50-2E07-EB2F58E8870A}"/>
-                  </a:ext>
-                </a:extLst>
-              </p:cNvPr>
-              <p:cNvSpPr txBox="1">
-                <a:spLocks noRot="1" noChangeAspect="1" noMove="1" noResize="1" noEditPoints="1" noAdjustHandles="1" noChangeArrowheads="1" noChangeShapeType="1" noTextEdit="1"/>
-              </p:cNvSpPr>
-              <p:nvPr/>
-            </p:nvSpPr>
-            <p:spPr>
-              <a:xfrm>
-                <a:off x="3848518" y="3117320"/>
-                <a:ext cx="591334" cy="369333"/>
-              </a:xfrm>
-              <a:prstGeom prst="rect">
-                <a:avLst/>
-              </a:prstGeom>
-              <a:blipFill>
-                <a:blip r:embed="rId10"/>
-                <a:stretch>
-                  <a:fillRect/>
-                </a:stretch>
-              </a:blipFill>
-            </p:spPr>
-            <p:txBody>
-              <a:bodyPr/>
-              <a:lstStyle/>
-              <a:p>
-                <a:r>
-                  <a:rPr lang="en-US">
-                    <a:noFill/>
-                  </a:rPr>
-                  <a:t> </a:t>
-                </a:r>
-              </a:p>
-            </p:txBody>
-          </p:sp>
-        </mc:Fallback>
-      </mc:AlternateContent>
-      <p:cxnSp>
-        <p:nvCxnSpPr>
-          <p:cNvPr id="34" name="Straight Connector 33">
-            <a:extLst>
-              <a:ext uri="{FF2B5EF4-FFF2-40B4-BE49-F238E27FC236}">
-                <a16:creationId xmlns:a16="http://schemas.microsoft.com/office/drawing/2014/main" id="{E89429A2-F77C-0E33-22F3-559343066AFC}"/>
-              </a:ext>
-            </a:extLst>
-          </p:cNvPr>
-          <p:cNvCxnSpPr>
-            <a:cxnSpLocks/>
-          </p:cNvCxnSpPr>
-          <p:nvPr/>
-        </p:nvCxnSpPr>
-        <p:spPr>
-          <a:xfrm flipH="1">
-            <a:off x="3998781" y="5532020"/>
-            <a:ext cx="2715827" cy="0"/>
-          </a:xfrm>
-          <a:prstGeom prst="line">
-            <a:avLst/>
-          </a:prstGeom>
-          <a:ln w="38100">
-            <a:solidFill>
-              <a:srgbClr val="C00000"/>
-            </a:solidFill>
-            <a:prstDash val="sysDot"/>
-            <a:headEnd type="triangle"/>
-            <a:tailEnd type="none"/>
-          </a:ln>
-        </p:spPr>
-        <p:style>
-          <a:lnRef idx="1">
-            <a:schemeClr val="dk1"/>
-          </a:lnRef>
-          <a:fillRef idx="0">
-            <a:schemeClr val="dk1"/>
-          </a:fillRef>
-          <a:effectRef idx="0">
-            <a:schemeClr val="dk1"/>
-          </a:effectRef>
-          <a:fontRef idx="minor">
-            <a:schemeClr val="tx1"/>
-          </a:fontRef>
-        </p:style>
-      </p:cxnSp>
-      <mc:AlternateContent xmlns:mc="http://schemas.openxmlformats.org/markup-compatibility/2006">
-        <mc:Choice xmlns:a14="http://schemas.microsoft.com/office/drawing/2010/main" Requires="a14">
-          <p:sp>
-            <p:nvSpPr>
-              <p:cNvPr id="36" name="TextBox 35">
-                <a:extLst>
-                  <a:ext uri="{FF2B5EF4-FFF2-40B4-BE49-F238E27FC236}">
-                    <a16:creationId xmlns:a16="http://schemas.microsoft.com/office/drawing/2014/main" id="{6BEBEA8F-E269-B25C-3915-349B1503E77B}"/>
-                  </a:ext>
-                </a:extLst>
-              </p:cNvPr>
-              <p:cNvSpPr txBox="1"/>
-              <p:nvPr/>
-            </p:nvSpPr>
-            <p:spPr>
-              <a:xfrm>
-                <a:off x="6553540" y="4685666"/>
-                <a:ext cx="701641" cy="369332"/>
-              </a:xfrm>
-              <a:prstGeom prst="rect">
-                <a:avLst/>
-              </a:prstGeom>
-              <a:noFill/>
-            </p:spPr>
-            <p:txBody>
-              <a:bodyPr wrap="square" rtlCol="0">
-                <a:spAutoFit/>
-              </a:bodyPr>
-              <a:lstStyle/>
-              <a:p>
-                <a14:m>
-                  <m:oMathPara xmlns:m="http://schemas.openxmlformats.org/officeDocument/2006/math">
-                    <m:oMathParaPr>
-                      <m:jc m:val="centerGroup"/>
-                    </m:oMathParaPr>
-                    <m:oMath xmlns:m="http://schemas.openxmlformats.org/officeDocument/2006/math">
-                      <m:sSub>
-                        <m:sSubPr>
-                          <m:ctrlPr>
-                            <a:rPr lang="en-US" b="0" i="1" smtClean="0">
-                              <a:solidFill>
-                                <a:srgbClr val="C00000"/>
-                              </a:solidFill>
-                              <a:latin typeface="Cambria Math" panose="02040503050406030204" pitchFamily="18" charset="0"/>
-                            </a:rPr>
-                          </m:ctrlPr>
-                        </m:sSubPr>
-                        <m:e>
-                          <m:r>
-                            <a:rPr lang="en-US" b="0" i="1" smtClean="0">
-                              <a:solidFill>
-                                <a:srgbClr val="C00000"/>
-                              </a:solidFill>
-                              <a:latin typeface="Cambria Math" panose="02040503050406030204" pitchFamily="18" charset="0"/>
-                            </a:rPr>
-                            <m:t>𝑛</m:t>
-                          </m:r>
-                        </m:e>
-                        <m:sub>
-                          <m:r>
-                            <a:rPr lang="en-US" b="0" i="1" smtClean="0">
-                              <a:solidFill>
-                                <a:srgbClr val="C00000"/>
-                              </a:solidFill>
-                              <a:latin typeface="Cambria Math" panose="02040503050406030204" pitchFamily="18" charset="0"/>
-                            </a:rPr>
-                            <m:t>𝑐</m:t>
-                          </m:r>
-                        </m:sub>
-                      </m:sSub>
-                    </m:oMath>
-                  </m:oMathPara>
-                </a14:m>
-                <a:endParaRPr lang="en-US" dirty="0">
-                  <a:solidFill>
-                    <a:srgbClr val="C00000"/>
-                  </a:solidFill>
-                </a:endParaRPr>
-              </a:p>
-            </p:txBody>
-          </p:sp>
-        </mc:Choice>
-        <mc:Fallback>
-          <p:sp>
-            <p:nvSpPr>
-              <p:cNvPr id="36" name="TextBox 35">
-                <a:extLst>
-                  <a:ext uri="{FF2B5EF4-FFF2-40B4-BE49-F238E27FC236}">
-                    <a16:creationId xmlns:a16="http://schemas.microsoft.com/office/drawing/2014/main" id="{6BEBEA8F-E269-B25C-3915-349B1503E77B}"/>
-                  </a:ext>
-                </a:extLst>
-              </p:cNvPr>
-              <p:cNvSpPr txBox="1">
-                <a:spLocks noRot="1" noChangeAspect="1" noMove="1" noResize="1" noEditPoints="1" noAdjustHandles="1" noChangeArrowheads="1" noChangeShapeType="1" noTextEdit="1"/>
-              </p:cNvSpPr>
-              <p:nvPr/>
-            </p:nvSpPr>
-            <p:spPr>
-              <a:xfrm>
-                <a:off x="6553540" y="4685666"/>
-                <a:ext cx="701641" cy="369332"/>
-              </a:xfrm>
-              <a:prstGeom prst="rect">
-                <a:avLst/>
-              </a:prstGeom>
-              <a:blipFill>
-                <a:blip r:embed="rId11"/>
-                <a:stretch>
-                  <a:fillRect/>
-                </a:stretch>
-              </a:blipFill>
-            </p:spPr>
-            <p:txBody>
-              <a:bodyPr/>
-              <a:lstStyle/>
-              <a:p>
-                <a:r>
-                  <a:rPr lang="en-US">
-                    <a:noFill/>
-                  </a:rPr>
-                  <a:t> </a:t>
-                </a:r>
-              </a:p>
-            </p:txBody>
-          </p:sp>
-        </mc:Fallback>
-      </mc:AlternateContent>
-      <mc:AlternateContent xmlns:mc="http://schemas.openxmlformats.org/markup-compatibility/2006">
-        <mc:Choice xmlns:a14="http://schemas.microsoft.com/office/drawing/2010/main" Requires="a14">
-          <p:sp>
-            <p:nvSpPr>
-              <p:cNvPr id="37" name="TextBox 36">
-                <a:extLst>
-                  <a:ext uri="{FF2B5EF4-FFF2-40B4-BE49-F238E27FC236}">
-                    <a16:creationId xmlns:a16="http://schemas.microsoft.com/office/drawing/2014/main" id="{C875F324-32D2-B40A-240F-95B2D7CCCEF1}"/>
-                  </a:ext>
-                </a:extLst>
-              </p:cNvPr>
-              <p:cNvSpPr txBox="1"/>
-              <p:nvPr/>
-            </p:nvSpPr>
-            <p:spPr>
-              <a:xfrm>
-                <a:off x="5250889" y="5541098"/>
-                <a:ext cx="701641" cy="369332"/>
-              </a:xfrm>
-              <a:prstGeom prst="rect">
-                <a:avLst/>
-              </a:prstGeom>
-              <a:noFill/>
-            </p:spPr>
-            <p:txBody>
-              <a:bodyPr wrap="square" rtlCol="0">
-                <a:spAutoFit/>
-              </a:bodyPr>
-              <a:lstStyle/>
-              <a:p>
-                <a14:m>
-                  <m:oMathPara xmlns:m="http://schemas.openxmlformats.org/officeDocument/2006/math">
-                    <m:oMathParaPr>
-                      <m:jc m:val="centerGroup"/>
-                    </m:oMathParaPr>
-                    <m:oMath xmlns:m="http://schemas.openxmlformats.org/officeDocument/2006/math">
-                      <m:sSub>
-                        <m:sSubPr>
-                          <m:ctrlPr>
-                            <a:rPr lang="en-US" b="0" i="1" smtClean="0">
-                              <a:solidFill>
-                                <a:srgbClr val="C00000"/>
-                              </a:solidFill>
-                              <a:latin typeface="Cambria Math" panose="02040503050406030204" pitchFamily="18" charset="0"/>
-                            </a:rPr>
-                          </m:ctrlPr>
-                        </m:sSubPr>
-                        <m:e>
-                          <m:r>
-                            <a:rPr lang="en-US" b="0" i="1" smtClean="0">
-                              <a:solidFill>
-                                <a:srgbClr val="C00000"/>
-                              </a:solidFill>
-                              <a:latin typeface="Cambria Math" panose="02040503050406030204" pitchFamily="18" charset="0"/>
-                            </a:rPr>
-                            <m:t>𝑛</m:t>
-                          </m:r>
-                        </m:e>
-                        <m:sub>
-                          <m:r>
-                            <a:rPr lang="en-US" b="0" i="1" smtClean="0">
-                              <a:solidFill>
-                                <a:srgbClr val="C00000"/>
-                              </a:solidFill>
-                              <a:latin typeface="Cambria Math" panose="02040503050406030204" pitchFamily="18" charset="0"/>
-                            </a:rPr>
-                            <m:t>𝑠</m:t>
-                          </m:r>
-                        </m:sub>
-                      </m:sSub>
-                    </m:oMath>
-                  </m:oMathPara>
-                </a14:m>
-                <a:endParaRPr lang="en-US" dirty="0">
-                  <a:solidFill>
-                    <a:srgbClr val="C00000"/>
-                  </a:solidFill>
-                </a:endParaRPr>
-              </a:p>
-            </p:txBody>
-          </p:sp>
-        </mc:Choice>
-        <mc:Fallback>
-          <p:sp>
-            <p:nvSpPr>
-              <p:cNvPr id="37" name="TextBox 36">
-                <a:extLst>
-                  <a:ext uri="{FF2B5EF4-FFF2-40B4-BE49-F238E27FC236}">
-                    <a16:creationId xmlns:a16="http://schemas.microsoft.com/office/drawing/2014/main" id="{C875F324-32D2-B40A-240F-95B2D7CCCEF1}"/>
-                  </a:ext>
-                </a:extLst>
-              </p:cNvPr>
-              <p:cNvSpPr txBox="1">
-                <a:spLocks noRot="1" noChangeAspect="1" noMove="1" noResize="1" noEditPoints="1" noAdjustHandles="1" noChangeArrowheads="1" noChangeShapeType="1" noTextEdit="1"/>
-              </p:cNvSpPr>
-              <p:nvPr/>
-            </p:nvSpPr>
-            <p:spPr>
-              <a:xfrm>
-                <a:off x="5250889" y="5541098"/>
-                <a:ext cx="701641" cy="369332"/>
-              </a:xfrm>
-              <a:prstGeom prst="rect">
-                <a:avLst/>
-              </a:prstGeom>
-              <a:blipFill>
-                <a:blip r:embed="rId12"/>
-                <a:stretch>
-                  <a:fillRect/>
-                </a:stretch>
-              </a:blipFill>
-            </p:spPr>
-            <p:txBody>
-              <a:bodyPr/>
-              <a:lstStyle/>
-              <a:p>
-                <a:r>
-                  <a:rPr lang="en-US">
-                    <a:noFill/>
-                  </a:rPr>
-                  <a:t> </a:t>
-                </a:r>
-              </a:p>
-            </p:txBody>
-          </p:sp>
-        </mc:Fallback>
-      </mc:AlternateContent>
-      <p:cxnSp>
-        <p:nvCxnSpPr>
-          <p:cNvPr id="39" name="Straight Connector 38">
-            <a:extLst>
-              <a:ext uri="{FF2B5EF4-FFF2-40B4-BE49-F238E27FC236}">
-                <a16:creationId xmlns:a16="http://schemas.microsoft.com/office/drawing/2014/main" id="{30C8927E-A94E-DFF6-3234-ABE473FBFFB1}"/>
-              </a:ext>
-            </a:extLst>
-          </p:cNvPr>
-          <p:cNvCxnSpPr>
-            <a:cxnSpLocks/>
-          </p:cNvCxnSpPr>
-          <p:nvPr/>
-        </p:nvCxnSpPr>
-        <p:spPr>
-          <a:xfrm>
-            <a:off x="6714608" y="4018335"/>
-            <a:ext cx="0" cy="1494533"/>
-          </a:xfrm>
-          <a:prstGeom prst="line">
-            <a:avLst/>
-          </a:prstGeom>
-          <a:ln w="38100">
-            <a:solidFill>
-              <a:srgbClr val="C00000"/>
-            </a:solidFill>
-            <a:prstDash val="sysDot"/>
-            <a:headEnd type="triangle"/>
-            <a:tailEnd type="none"/>
-          </a:ln>
-        </p:spPr>
-        <p:style>
-          <a:lnRef idx="1">
-            <a:schemeClr val="dk1"/>
-          </a:lnRef>
-          <a:fillRef idx="0">
-            <a:schemeClr val="dk1"/>
-          </a:fillRef>
-          <a:effectRef idx="0">
-            <a:schemeClr val="dk1"/>
-          </a:effectRef>
-          <a:fontRef idx="minor">
-            <a:schemeClr val="tx1"/>
-          </a:fontRef>
-        </p:style>
-      </p:cxnSp>
     </p:spTree>
     <p:extLst>
       <p:ext uri="{BB962C8B-B14F-4D97-AF65-F5344CB8AC3E}">
